--- a/study.pptx
+++ b/study.pptx
@@ -5,19 +5,21 @@
     <p:sldMasterId id="2147483891" r:id="rId3"/>
   </p:sldMasterIdLst>
   <p:notesMasterIdLst>
-    <p:notesMasterId r:id="rId11"/>
+    <p:notesMasterId r:id="rId13"/>
   </p:notesMasterIdLst>
   <p:handoutMasterIdLst>
-    <p:handoutMasterId r:id="rId12"/>
+    <p:handoutMasterId r:id="rId14"/>
   </p:handoutMasterIdLst>
   <p:sldIdLst>
     <p:sldId id="2053" r:id="rId4"/>
-    <p:sldId id="2054" r:id="rId5"/>
-    <p:sldId id="2055" r:id="rId6"/>
-    <p:sldId id="2056" r:id="rId7"/>
-    <p:sldId id="2058" r:id="rId8"/>
-    <p:sldId id="2057" r:id="rId9"/>
-    <p:sldId id="2059" r:id="rId10"/>
+    <p:sldId id="2061" r:id="rId5"/>
+    <p:sldId id="2054" r:id="rId6"/>
+    <p:sldId id="2055" r:id="rId7"/>
+    <p:sldId id="2056" r:id="rId8"/>
+    <p:sldId id="2058" r:id="rId9"/>
+    <p:sldId id="2057" r:id="rId10"/>
+    <p:sldId id="2059" r:id="rId11"/>
+    <p:sldId id="2060" r:id="rId12"/>
   </p:sldIdLst>
   <p:sldSz cx="12188825" cy="6858000"/>
   <p:notesSz cx="6858000" cy="4819650"/>
@@ -152,12 +154,14 @@
         <p14:section name="Default Section" id="{33D7EF61-34E1-4259-909E-D88D36ABF468}">
           <p14:sldIdLst>
             <p14:sldId id="2053"/>
+            <p14:sldId id="2061"/>
             <p14:sldId id="2054"/>
             <p14:sldId id="2055"/>
             <p14:sldId id="2056"/>
             <p14:sldId id="2058"/>
             <p14:sldId id="2057"/>
             <p14:sldId id="2059"/>
+            <p14:sldId id="2060"/>
           </p14:sldIdLst>
         </p14:section>
       </p14:sectionLst>
@@ -337,7 +341,7 @@
               <a:pPr>
                 <a:defRPr/>
               </a:pPr>
-              <a:t>1/20/2021</a:t>
+              <a:t>1/25/2021</a:t>
             </a:fld>
             <a:endParaRPr lang="en-US"/>
           </a:p>
@@ -556,7 +560,7 @@
               <a:pPr>
                 <a:defRPr/>
               </a:pPr>
-              <a:t>1/20/2021</a:t>
+              <a:t>1/25/2021</a:t>
             </a:fld>
             <a:endParaRPr lang="en-US"/>
           </a:p>
@@ -2621,50 +2625,254 @@
           <a:lstStyle/>
           <a:p>
             <a:r>
+              <a:rPr lang="en-US" altLang="zh-CN" sz="2800" dirty="0"/>
+              <a:t>How to use </a:t>
+            </a:r>
+            <a:r>
+              <a:rPr lang="en-US" altLang="zh-CN" sz="2800" dirty="0" err="1"/>
+              <a:t>glfw</a:t>
+            </a:r>
+            <a:r>
+              <a:rPr lang="en-US" altLang="zh-CN" sz="2800" dirty="0"/>
+              <a:t>:</a:t>
+            </a:r>
+          </a:p>
+          <a:p>
+            <a:pPr lvl="1"/>
+            <a:r>
+              <a:rPr lang="en-US" altLang="zh-CN" sz="2000" dirty="0"/>
+              <a:t>Git clone </a:t>
+            </a:r>
+            <a:r>
+              <a:rPr lang="en-US" altLang="zh-CN" sz="2000" dirty="0">
+                <a:hlinkClick r:id="rId2"/>
+              </a:rPr>
+              <a:t>https://github.com/glfw/glfw.git</a:t>
+            </a:r>
+            <a:endParaRPr lang="en-US" altLang="zh-CN" sz="2000" dirty="0"/>
+          </a:p>
+          <a:p>
+            <a:pPr lvl="1"/>
+            <a:r>
               <a:rPr lang="en-US" altLang="zh-CN" sz="2000" dirty="0" err="1"/>
               <a:t>Mkdir</a:t>
             </a:r>
             <a:r>
               <a:rPr lang="en-US" altLang="zh-CN" sz="2000" dirty="0"/>
-              <a:t> build32</a:t>
-            </a:r>
-          </a:p>
-          <a:p>
+              <a:t> build &amp; cd build &amp; </a:t>
+            </a:r>
             <a:r>
               <a:rPr lang="en-US" altLang="zh-CN" sz="2000" dirty="0" err="1"/>
-              <a:t>Mkdir</a:t>
+              <a:t>cmake</a:t>
             </a:r>
             <a:r>
               <a:rPr lang="en-US" altLang="zh-CN" sz="2000" dirty="0"/>
-              <a:t> build64</a:t>
-            </a:r>
-          </a:p>
-          <a:p>
+              <a:t> .. &amp; build</a:t>
+            </a:r>
+          </a:p>
+          <a:p>
+            <a:pPr lvl="1"/>
+            <a:r>
+              <a:rPr lang="zh-CN" altLang="en-US" sz="2000" dirty="0"/>
+              <a:t>复制 </a:t>
+            </a:r>
+            <a:r>
+              <a:rPr lang="en-US" altLang="zh-CN" sz="2000" dirty="0" err="1"/>
+              <a:t>glfw</a:t>
+            </a:r>
             <a:r>
               <a:rPr lang="en-US" altLang="zh-CN" sz="2000" dirty="0"/>
-              <a:t>Cd build32/64</a:t>
-            </a:r>
-          </a:p>
-          <a:p>
+              <a:t>\\build\\</a:t>
+            </a:r>
             <a:r>
               <a:rPr lang="en-US" altLang="zh-CN" sz="2000" dirty="0" err="1"/>
-              <a:t>Cmake</a:t>
+              <a:t>src</a:t>
             </a:r>
             <a:r>
               <a:rPr lang="en-US" altLang="zh-CN" sz="2000" dirty="0"/>
-              <a:t> ..</a:t>
-            </a:r>
-          </a:p>
-          <a:p>
+              <a:t>\\Debug\\glfw3.lib </a:t>
+            </a:r>
+            <a:r>
+              <a:rPr lang="zh-CN" altLang="en-US" sz="2000" dirty="0"/>
+              <a:t>，并链接到程序</a:t>
+            </a:r>
+            <a:endParaRPr lang="en-US" altLang="zh-CN" sz="2000" dirty="0"/>
+          </a:p>
+          <a:p>
+            <a:pPr lvl="1"/>
+            <a:r>
+              <a:rPr lang="zh-CN" altLang="en-US" sz="2000" dirty="0"/>
+              <a:t>复制 </a:t>
+            </a:r>
+            <a:r>
+              <a:rPr lang="en-US" altLang="zh-CN" sz="2000" dirty="0" err="1"/>
+              <a:t>glfw</a:t>
+            </a:r>
             <a:r>
               <a:rPr lang="en-US" altLang="zh-CN" sz="2000" dirty="0"/>
-              <a:t>Do not remove </a:t>
-            </a:r>
-            <a:r>
-              <a:rPr lang="en-US" altLang="zh-CN" sz="2000"/>
-              <a:t>build folder</a:t>
+              <a:t>\\glad</a:t>
+            </a:r>
+            <a:r>
+              <a:rPr lang="zh-CN" altLang="en-US" sz="2000" dirty="0"/>
+              <a:t>目录以及</a:t>
+            </a:r>
+            <a:r>
+              <a:rPr lang="en-US" altLang="zh-CN" sz="2000" dirty="0" err="1"/>
+              <a:t>glfw</a:t>
+            </a:r>
+            <a:r>
+              <a:rPr lang="en-US" altLang="zh-CN" sz="2000" dirty="0"/>
+              <a:t>\\</a:t>
+            </a:r>
+            <a:r>
+              <a:rPr lang="en-US" altLang="zh-CN" sz="2000" dirty="0" err="1"/>
+              <a:t>glad_gl.c</a:t>
+            </a:r>
+            <a:r>
+              <a:rPr lang="zh-CN" altLang="en-US" sz="2000" dirty="0"/>
+              <a:t>文件到工程，</a:t>
             </a:r>
             <a:endParaRPr lang="en-US" altLang="zh-CN" sz="2000" dirty="0"/>
+          </a:p>
+          <a:p>
+            <a:pPr lvl="2"/>
+            <a:r>
+              <a:rPr lang="en-US" altLang="zh-CN" sz="1600" dirty="0"/>
+              <a:t>Include “glad\</a:t>
+            </a:r>
+            <a:r>
+              <a:rPr lang="en-US" altLang="zh-CN" sz="1600" dirty="0" err="1"/>
+              <a:t>gl.h</a:t>
+            </a:r>
+            <a:r>
+              <a:rPr lang="en-US" altLang="zh-CN" sz="1600" dirty="0"/>
+              <a:t>”</a:t>
+            </a:r>
+          </a:p>
+          <a:p>
+            <a:pPr lvl="2"/>
+            <a:r>
+              <a:rPr lang="zh-CN" altLang="en-US" sz="1600" dirty="0"/>
+              <a:t>加入</a:t>
+            </a:r>
+            <a:r>
+              <a:rPr lang="en-US" altLang="zh-CN" sz="1600" dirty="0" err="1"/>
+              <a:t>glad_gl.c</a:t>
+            </a:r>
+            <a:r>
+              <a:rPr lang="zh-CN" altLang="en-US" sz="1600" dirty="0"/>
+              <a:t>文件到工程</a:t>
+            </a:r>
+            <a:endParaRPr lang="en-US" altLang="zh-CN" sz="1600" dirty="0"/>
+          </a:p>
+          <a:p>
+            <a:pPr lvl="1"/>
+            <a:r>
+              <a:rPr lang="zh-CN" altLang="en-US" sz="2000" dirty="0"/>
+              <a:t>复制 </a:t>
+            </a:r>
+            <a:r>
+              <a:rPr lang="en-US" altLang="zh-CN" sz="2000" dirty="0" err="1"/>
+              <a:t>glfw</a:t>
+            </a:r>
+            <a:r>
+              <a:rPr lang="en-US" altLang="zh-CN" sz="2000" dirty="0"/>
+              <a:t>\\include\\GLFW</a:t>
+            </a:r>
+            <a:r>
+              <a:rPr lang="zh-CN" altLang="en-US" sz="2000" dirty="0"/>
+              <a:t>目录到工程</a:t>
+            </a:r>
+            <a:endParaRPr lang="en-US" altLang="zh-CN" sz="2000" dirty="0"/>
+          </a:p>
+          <a:p>
+            <a:pPr lvl="2"/>
+            <a:r>
+              <a:rPr lang="en-US" altLang="zh-CN" sz="1600" dirty="0"/>
+              <a:t>Include “GLFW/glfw3.h”</a:t>
+            </a:r>
+          </a:p>
+          <a:p>
+            <a:pPr lvl="1"/>
+            <a:r>
+              <a:rPr lang="en-US" altLang="zh-CN" sz="2000" dirty="0"/>
+              <a:t>Main()</a:t>
+            </a:r>
+            <a:r>
+              <a:rPr lang="zh-CN" altLang="en-US" sz="2000"/>
+              <a:t>函数中</a:t>
+            </a:r>
+            <a:endParaRPr lang="en-US" altLang="zh-CN" sz="2000" dirty="0"/>
+          </a:p>
+          <a:p>
+            <a:pPr lvl="2"/>
+            <a:r>
+              <a:rPr lang="en-US" altLang="zh-CN" sz="1800" dirty="0"/>
+              <a:t>// initialize </a:t>
+            </a:r>
+            <a:r>
+              <a:rPr lang="en-US" altLang="zh-CN" sz="1800" dirty="0" err="1"/>
+              <a:t>glfw</a:t>
+            </a:r>
+            <a:r>
+              <a:rPr lang="en-US" altLang="zh-CN" sz="1800" dirty="0"/>
+              <a:t>:</a:t>
+            </a:r>
+          </a:p>
+          <a:p>
+            <a:pPr lvl="3"/>
+            <a:r>
+              <a:rPr lang="en-US" altLang="zh-CN" sz="1400" dirty="0" err="1"/>
+              <a:t>glfwInit</a:t>
+            </a:r>
+            <a:r>
+              <a:rPr lang="en-US" altLang="zh-CN" sz="1400" dirty="0"/>
+              <a:t>();</a:t>
+            </a:r>
+          </a:p>
+          <a:p>
+            <a:pPr lvl="3"/>
+            <a:r>
+              <a:rPr lang="en-US" altLang="zh-CN" sz="1400" dirty="0" err="1"/>
+              <a:t>glfwCreateWindow</a:t>
+            </a:r>
+            <a:r>
+              <a:rPr lang="en-US" altLang="zh-CN" sz="1400" dirty="0"/>
+              <a:t>();</a:t>
+            </a:r>
+          </a:p>
+          <a:p>
+            <a:pPr lvl="3"/>
+            <a:r>
+              <a:rPr lang="en-US" altLang="zh-CN" sz="1400" dirty="0" err="1"/>
+              <a:t>glfwMakeContextCurrent</a:t>
+            </a:r>
+            <a:r>
+              <a:rPr lang="en-US" altLang="zh-CN" sz="1400" dirty="0"/>
+              <a:t>();</a:t>
+            </a:r>
+          </a:p>
+          <a:p>
+            <a:pPr lvl="2"/>
+            <a:r>
+              <a:rPr lang="en-US" altLang="zh-CN" sz="1800" dirty="0"/>
+              <a:t>// initialize glad:</a:t>
+            </a:r>
+          </a:p>
+          <a:p>
+            <a:pPr lvl="3"/>
+            <a:r>
+              <a:rPr lang="en-US" altLang="zh-CN" sz="1400" dirty="0" err="1"/>
+              <a:t>gladLoadGL</a:t>
+            </a:r>
+            <a:r>
+              <a:rPr lang="en-US" altLang="zh-CN" sz="1400" dirty="0"/>
+              <a:t>();</a:t>
+            </a:r>
+          </a:p>
+          <a:p>
+            <a:pPr lvl="1"/>
+            <a:endParaRPr lang="en-US" altLang="zh-CN" sz="1600" dirty="0"/>
           </a:p>
         </p:txBody>
       </p:sp>
@@ -2722,7 +2930,10 @@
           <a:bodyPr/>
           <a:lstStyle/>
           <a:p>
-            <a:endParaRPr lang="en-US" dirty="0"/>
+            <a:r>
+              <a:rPr lang="en-US" dirty="0"/>
+              <a:t>GLFW</a:t>
+            </a:r>
           </a:p>
         </p:txBody>
       </p:sp>
@@ -2782,7 +2993,46 @@
           <a:bodyPr/>
           <a:lstStyle/>
           <a:p>
-            <a:endParaRPr lang="en-US" altLang="zh-CN" sz="2000" dirty="0"/>
+            <a:r>
+              <a:rPr lang="en-US" altLang="zh-CN" sz="2000" dirty="0" err="1"/>
+              <a:t>Mkdir</a:t>
+            </a:r>
+            <a:r>
+              <a:rPr lang="en-US" altLang="zh-CN" sz="2000" dirty="0"/>
+              <a:t> build32</a:t>
+            </a:r>
+          </a:p>
+          <a:p>
+            <a:r>
+              <a:rPr lang="en-US" altLang="zh-CN" sz="2000" dirty="0" err="1"/>
+              <a:t>Mkdir</a:t>
+            </a:r>
+            <a:r>
+              <a:rPr lang="en-US" altLang="zh-CN" sz="2000" dirty="0"/>
+              <a:t> build64</a:t>
+            </a:r>
+          </a:p>
+          <a:p>
+            <a:r>
+              <a:rPr lang="en-US" altLang="zh-CN" sz="2000" dirty="0"/>
+              <a:t>Cd build32/64</a:t>
+            </a:r>
+          </a:p>
+          <a:p>
+            <a:r>
+              <a:rPr lang="en-US" altLang="zh-CN" sz="2000" dirty="0" err="1"/>
+              <a:t>Cmake</a:t>
+            </a:r>
+            <a:r>
+              <a:rPr lang="en-US" altLang="zh-CN" sz="2000" dirty="0"/>
+              <a:t> ..</a:t>
+            </a:r>
+          </a:p>
+          <a:p>
+            <a:r>
+              <a:rPr lang="en-US" altLang="zh-CN" sz="2000" dirty="0"/>
+              <a:t>Do not remove build folder</a:t>
+            </a:r>
           </a:p>
         </p:txBody>
       </p:sp>
@@ -2841,6 +3091,102 @@
           <a:lstStyle/>
           <a:p>
             <a:r>
+              <a:rPr lang="en-US" dirty="0"/>
+              <a:t>EXAMPLE</a:t>
+            </a:r>
+          </a:p>
+        </p:txBody>
+      </p:sp>
+    </p:spTree>
+    <p:extLst>
+      <p:ext uri="{BB962C8B-B14F-4D97-AF65-F5344CB8AC3E}">
+        <p14:creationId xmlns:p14="http://schemas.microsoft.com/office/powerpoint/2010/main" val="784089642"/>
+      </p:ext>
+    </p:extLst>
+  </p:cSld>
+  <p:clrMapOvr>
+    <a:masterClrMapping/>
+  </p:clrMapOvr>
+</p:sld>
+</file>
+
+<file path=ppt/slides/slide3.xml><?xml version="1.0" encoding="utf-8"?>
+<p:sld xmlns:a="http://schemas.openxmlformats.org/drawingml/2006/main" xmlns:r="http://schemas.openxmlformats.org/officeDocument/2006/relationships" xmlns:p="http://schemas.openxmlformats.org/presentationml/2006/main">
+  <p:cSld>
+    <p:spTree>
+      <p:nvGrpSpPr>
+        <p:cNvPr id="1" name=""/>
+        <p:cNvGrpSpPr/>
+        <p:nvPr/>
+      </p:nvGrpSpPr>
+      <p:grpSpPr>
+        <a:xfrm>
+          <a:off x="0" y="0"/>
+          <a:ext cx="0" cy="0"/>
+          <a:chOff x="0" y="0"/>
+          <a:chExt cx="0" cy="0"/>
+        </a:xfrm>
+      </p:grpSpPr>
+      <p:sp>
+        <p:nvSpPr>
+          <p:cNvPr id="3" name="Title 2">
+            <a:extLst>
+              <a:ext uri="{FF2B5EF4-FFF2-40B4-BE49-F238E27FC236}">
+                <a16:creationId xmlns:a16="http://schemas.microsoft.com/office/drawing/2014/main" id="{CEDC0840-5118-4BFD-899F-D50C1A686498}"/>
+              </a:ext>
+            </a:extLst>
+          </p:cNvPr>
+          <p:cNvSpPr>
+            <a:spLocks noGrp="1"/>
+          </p:cNvSpPr>
+          <p:nvPr>
+            <p:ph type="title"/>
+          </p:nvPr>
+        </p:nvSpPr>
+        <p:spPr/>
+        <p:txBody>
+          <a:bodyPr/>
+          <a:lstStyle/>
+          <a:p>
+            <a:r>
+              <a:rPr lang="en-US" altLang="zh-CN" dirty="0" err="1"/>
+              <a:t>opengl</a:t>
+            </a:r>
+            <a:r>
+              <a:rPr lang="en-US" altLang="zh-CN" dirty="0"/>
+              <a:t> </a:t>
+            </a:r>
+            <a:endParaRPr lang="en-US" dirty="0"/>
+          </a:p>
+        </p:txBody>
+      </p:sp>
+      <p:sp>
+        <p:nvSpPr>
+          <p:cNvPr id="4" name="Text Placeholder 3">
+            <a:extLst>
+              <a:ext uri="{FF2B5EF4-FFF2-40B4-BE49-F238E27FC236}">
+                <a16:creationId xmlns:a16="http://schemas.microsoft.com/office/drawing/2014/main" id="{23BC3E91-3C7D-4DD3-9DC0-25A44DC2381D}"/>
+              </a:ext>
+            </a:extLst>
+          </p:cNvPr>
+          <p:cNvSpPr>
+            <a:spLocks noGrp="1"/>
+          </p:cNvSpPr>
+          <p:nvPr>
+            <p:ph type="body" sz="quarter" idx="10"/>
+          </p:nvPr>
+        </p:nvSpPr>
+        <p:spPr>
+          <a:xfrm>
+            <a:off x="312738" y="752475"/>
+            <a:ext cx="11616919" cy="285750"/>
+          </a:xfrm>
+        </p:spPr>
+        <p:txBody>
+          <a:bodyPr/>
+          <a:lstStyle/>
+          <a:p>
+            <a:r>
               <a:rPr lang="zh-CN" altLang="en-US" dirty="0"/>
               <a:t>渲染管线</a:t>
             </a:r>
@@ -2868,7 +3214,9 @@
           <a:prstGeom prst="rect">
             <a:avLst/>
           </a:prstGeom>
-          <a:noFill/>
+          <a:solidFill>
+            <a:srgbClr val="FFC000"/>
+          </a:solidFill>
           <a:ln>
             <a:solidFill>
               <a:schemeClr val="bg1"/>
@@ -3063,7 +3411,9 @@
           <a:prstGeom prst="rect">
             <a:avLst/>
           </a:prstGeom>
-          <a:noFill/>
+          <a:solidFill>
+            <a:srgbClr val="FFC000"/>
+          </a:solidFill>
           <a:ln>
             <a:solidFill>
               <a:schemeClr val="bg1"/>
@@ -3605,13 +3955,13 @@
         </p:nvSpPr>
         <p:spPr>
           <a:xfrm>
-            <a:off x="9439891" y="2802993"/>
-            <a:ext cx="1701798" cy="977902"/>
+            <a:off x="2977446" y="772836"/>
+            <a:ext cx="2718504" cy="364788"/>
           </a:xfrm>
           <a:prstGeom prst="wedgeRectCallout">
             <a:avLst>
-              <a:gd name="adj1" fmla="val -70522"/>
-              <a:gd name="adj2" fmla="val 98863"/>
+              <a:gd name="adj1" fmla="val -61329"/>
+              <a:gd name="adj2" fmla="val 214696"/>
             </a:avLst>
           </a:prstGeom>
           <a:noFill/>
@@ -3649,7 +3999,708 @@
                   <a:schemeClr val="bg1"/>
                 </a:solidFill>
               </a:rPr>
-              <a:t>计算出窗口中哪些像素受到几何体影像</a:t>
+              <a:t>每个</a:t>
+            </a:r>
+            <a:r>
+              <a:rPr lang="en-US" altLang="zh-CN" dirty="0">
+                <a:solidFill>
+                  <a:schemeClr val="bg1"/>
+                </a:solidFill>
+              </a:rPr>
+              <a:t>thread</a:t>
+            </a:r>
+            <a:r>
+              <a:rPr lang="zh-CN" altLang="en-US" dirty="0">
+                <a:solidFill>
+                  <a:schemeClr val="bg1"/>
+                </a:solidFill>
+              </a:rPr>
+              <a:t>处理一个顶点</a:t>
+            </a:r>
+            <a:endParaRPr lang="en-US" dirty="0">
+              <a:solidFill>
+                <a:schemeClr val="bg1"/>
+              </a:solidFill>
+            </a:endParaRPr>
+          </a:p>
+        </p:txBody>
+      </p:sp>
+      <p:sp>
+        <p:nvSpPr>
+          <p:cNvPr id="22" name="Rectangle 21">
+            <a:extLst>
+              <a:ext uri="{FF2B5EF4-FFF2-40B4-BE49-F238E27FC236}">
+                <a16:creationId xmlns:a16="http://schemas.microsoft.com/office/drawing/2014/main" id="{80C67382-40AD-4E1D-B82E-8AFAAF878C1D}"/>
+              </a:ext>
+            </a:extLst>
+          </p:cNvPr>
+          <p:cNvSpPr/>
+          <p:nvPr/>
+        </p:nvSpPr>
+        <p:spPr>
+          <a:xfrm>
+            <a:off x="28777" y="2013811"/>
+            <a:ext cx="1363134" cy="533400"/>
+          </a:xfrm>
+          <a:prstGeom prst="rect">
+            <a:avLst/>
+          </a:prstGeom>
+          <a:noFill/>
+          <a:ln>
+            <a:noFill/>
+          </a:ln>
+          <a:effectLst/>
+        </p:spPr>
+        <p:style>
+          <a:lnRef idx="2">
+            <a:schemeClr val="accent1">
+              <a:shade val="50000"/>
+            </a:schemeClr>
+          </a:lnRef>
+          <a:fillRef idx="1">
+            <a:schemeClr val="accent1"/>
+          </a:fillRef>
+          <a:effectRef idx="0">
+            <a:schemeClr val="accent1"/>
+          </a:effectRef>
+          <a:fontRef idx="minor">
+            <a:schemeClr val="lt1"/>
+          </a:fontRef>
+        </p:style>
+        <p:txBody>
+          <a:bodyPr rtlCol="0" anchor="ctr"/>
+          <a:lstStyle/>
+          <a:p>
+            <a:pPr algn="ctr"/>
+            <a:r>
+              <a:rPr lang="en-US" dirty="0" err="1">
+                <a:solidFill>
+                  <a:schemeClr val="bg1"/>
+                </a:solidFill>
+              </a:rPr>
+              <a:t>gl_Position</a:t>
+            </a:r>
+            <a:endParaRPr lang="en-US" dirty="0">
+              <a:solidFill>
+                <a:schemeClr val="bg1"/>
+              </a:solidFill>
+            </a:endParaRPr>
+          </a:p>
+        </p:txBody>
+      </p:sp>
+      <p:sp>
+        <p:nvSpPr>
+          <p:cNvPr id="23" name="Rectangle 22">
+            <a:extLst>
+              <a:ext uri="{FF2B5EF4-FFF2-40B4-BE49-F238E27FC236}">
+                <a16:creationId xmlns:a16="http://schemas.microsoft.com/office/drawing/2014/main" id="{D6B5AD79-E2FB-42A4-A2DD-281DC7396564}"/>
+              </a:ext>
+            </a:extLst>
+          </p:cNvPr>
+          <p:cNvSpPr/>
+          <p:nvPr/>
+        </p:nvSpPr>
+        <p:spPr>
+          <a:xfrm>
+            <a:off x="710344" y="1718305"/>
+            <a:ext cx="601989" cy="492657"/>
+          </a:xfrm>
+          <a:prstGeom prst="rect">
+            <a:avLst/>
+          </a:prstGeom>
+          <a:noFill/>
+          <a:ln>
+            <a:noFill/>
+          </a:ln>
+          <a:effectLst/>
+        </p:spPr>
+        <p:style>
+          <a:lnRef idx="2">
+            <a:schemeClr val="accent1">
+              <a:shade val="50000"/>
+            </a:schemeClr>
+          </a:lnRef>
+          <a:fillRef idx="1">
+            <a:schemeClr val="accent1"/>
+          </a:fillRef>
+          <a:effectRef idx="0">
+            <a:schemeClr val="accent1"/>
+          </a:effectRef>
+          <a:fontRef idx="minor">
+            <a:schemeClr val="lt1"/>
+          </a:fontRef>
+        </p:style>
+        <p:txBody>
+          <a:bodyPr rtlCol="0" anchor="ctr"/>
+          <a:lstStyle/>
+          <a:p>
+            <a:pPr algn="ctr"/>
+            <a:r>
+              <a:rPr lang="en-US" dirty="0">
+                <a:solidFill>
+                  <a:schemeClr val="bg1"/>
+                </a:solidFill>
+              </a:rPr>
+              <a:t>VS</a:t>
+            </a:r>
+          </a:p>
+        </p:txBody>
+      </p:sp>
+      <p:sp>
+        <p:nvSpPr>
+          <p:cNvPr id="24" name="Rectangle 23">
+            <a:extLst>
+              <a:ext uri="{FF2B5EF4-FFF2-40B4-BE49-F238E27FC236}">
+                <a16:creationId xmlns:a16="http://schemas.microsoft.com/office/drawing/2014/main" id="{A5BFD48A-5CA1-48DC-828A-1EAA61332C89}"/>
+              </a:ext>
+            </a:extLst>
+          </p:cNvPr>
+          <p:cNvSpPr/>
+          <p:nvPr/>
+        </p:nvSpPr>
+        <p:spPr>
+          <a:xfrm>
+            <a:off x="710344" y="5570333"/>
+            <a:ext cx="601989" cy="492657"/>
+          </a:xfrm>
+          <a:prstGeom prst="rect">
+            <a:avLst/>
+          </a:prstGeom>
+          <a:noFill/>
+          <a:ln>
+            <a:noFill/>
+          </a:ln>
+          <a:effectLst/>
+        </p:spPr>
+        <p:style>
+          <a:lnRef idx="2">
+            <a:schemeClr val="accent1">
+              <a:shade val="50000"/>
+            </a:schemeClr>
+          </a:lnRef>
+          <a:fillRef idx="1">
+            <a:schemeClr val="accent1"/>
+          </a:fillRef>
+          <a:effectRef idx="0">
+            <a:schemeClr val="accent1"/>
+          </a:effectRef>
+          <a:fontRef idx="minor">
+            <a:schemeClr val="lt1"/>
+          </a:fontRef>
+        </p:style>
+        <p:txBody>
+          <a:bodyPr rtlCol="0" anchor="ctr"/>
+          <a:lstStyle/>
+          <a:p>
+            <a:pPr algn="ctr"/>
+            <a:r>
+              <a:rPr lang="en-US" dirty="0">
+                <a:solidFill>
+                  <a:schemeClr val="bg1"/>
+                </a:solidFill>
+              </a:rPr>
+              <a:t>FS</a:t>
+            </a:r>
+          </a:p>
+        </p:txBody>
+      </p:sp>
+      <p:sp>
+        <p:nvSpPr>
+          <p:cNvPr id="26" name="Rectangle 25">
+            <a:extLst>
+              <a:ext uri="{FF2B5EF4-FFF2-40B4-BE49-F238E27FC236}">
+                <a16:creationId xmlns:a16="http://schemas.microsoft.com/office/drawing/2014/main" id="{1C77BA3B-60FD-4B05-BD0A-7D6030BBBA64}"/>
+              </a:ext>
+            </a:extLst>
+          </p:cNvPr>
+          <p:cNvSpPr/>
+          <p:nvPr/>
+        </p:nvSpPr>
+        <p:spPr>
+          <a:xfrm>
+            <a:off x="3672195" y="3735297"/>
+            <a:ext cx="1363134" cy="533400"/>
+          </a:xfrm>
+          <a:prstGeom prst="rect">
+            <a:avLst/>
+          </a:prstGeom>
+          <a:solidFill>
+            <a:schemeClr val="tx1">
+              <a:lumMod val="75000"/>
+            </a:schemeClr>
+          </a:solidFill>
+          <a:ln>
+            <a:solidFill>
+              <a:schemeClr val="bg1"/>
+            </a:solidFill>
+          </a:ln>
+          <a:effectLst/>
+        </p:spPr>
+        <p:style>
+          <a:lnRef idx="2">
+            <a:schemeClr val="accent1">
+              <a:shade val="50000"/>
+            </a:schemeClr>
+          </a:lnRef>
+          <a:fillRef idx="1">
+            <a:schemeClr val="accent1"/>
+          </a:fillRef>
+          <a:effectRef idx="0">
+            <a:schemeClr val="accent1"/>
+          </a:effectRef>
+          <a:fontRef idx="minor">
+            <a:schemeClr val="lt1"/>
+          </a:fontRef>
+        </p:style>
+        <p:txBody>
+          <a:bodyPr rtlCol="0" anchor="ctr"/>
+          <a:lstStyle/>
+          <a:p>
+            <a:pPr algn="ctr"/>
+            <a:r>
+              <a:rPr lang="en-US" dirty="0">
+                <a:solidFill>
+                  <a:schemeClr val="bg1"/>
+                </a:solidFill>
+              </a:rPr>
+              <a:t>Transform</a:t>
+            </a:r>
+            <a:r>
+              <a:rPr lang="zh-CN" altLang="en-US" dirty="0">
+                <a:solidFill>
+                  <a:schemeClr val="bg1"/>
+                </a:solidFill>
+              </a:rPr>
+              <a:t> </a:t>
+            </a:r>
+            <a:r>
+              <a:rPr lang="en-US" altLang="zh-CN" dirty="0">
+                <a:solidFill>
+                  <a:schemeClr val="bg1"/>
+                </a:solidFill>
+              </a:rPr>
+              <a:t>feedback</a:t>
+            </a:r>
+            <a:endParaRPr lang="en-US" dirty="0">
+              <a:solidFill>
+                <a:schemeClr val="bg1"/>
+              </a:solidFill>
+            </a:endParaRPr>
+          </a:p>
+        </p:txBody>
+      </p:sp>
+      <p:sp>
+        <p:nvSpPr>
+          <p:cNvPr id="27" name="Rectangle 26">
+            <a:extLst>
+              <a:ext uri="{FF2B5EF4-FFF2-40B4-BE49-F238E27FC236}">
+                <a16:creationId xmlns:a16="http://schemas.microsoft.com/office/drawing/2014/main" id="{ACD42EB9-891B-4FAC-8430-0FCF76A84408}"/>
+              </a:ext>
+            </a:extLst>
+          </p:cNvPr>
+          <p:cNvSpPr/>
+          <p:nvPr/>
+        </p:nvSpPr>
+        <p:spPr>
+          <a:xfrm>
+            <a:off x="533629" y="2497260"/>
+            <a:ext cx="838290" cy="533400"/>
+          </a:xfrm>
+          <a:prstGeom prst="rect">
+            <a:avLst/>
+          </a:prstGeom>
+          <a:noFill/>
+          <a:ln>
+            <a:noFill/>
+          </a:ln>
+          <a:effectLst/>
+        </p:spPr>
+        <p:style>
+          <a:lnRef idx="2">
+            <a:schemeClr val="accent1">
+              <a:shade val="50000"/>
+            </a:schemeClr>
+          </a:lnRef>
+          <a:fillRef idx="1">
+            <a:schemeClr val="accent1"/>
+          </a:fillRef>
+          <a:effectRef idx="0">
+            <a:schemeClr val="accent1"/>
+          </a:effectRef>
+          <a:fontRef idx="minor">
+            <a:schemeClr val="lt1"/>
+          </a:fontRef>
+        </p:style>
+        <p:txBody>
+          <a:bodyPr rtlCol="0" anchor="ctr"/>
+          <a:lstStyle/>
+          <a:p>
+            <a:pPr algn="ctr"/>
+            <a:r>
+              <a:rPr lang="en-US" dirty="0" err="1">
+                <a:solidFill>
+                  <a:schemeClr val="bg1"/>
+                </a:solidFill>
+              </a:rPr>
+              <a:t>gl_</a:t>
+            </a:r>
+            <a:r>
+              <a:rPr lang="en-US" altLang="zh-CN" dirty="0" err="1">
+                <a:solidFill>
+                  <a:schemeClr val="bg1"/>
+                </a:solidFill>
+              </a:rPr>
+              <a:t>in</a:t>
+            </a:r>
+            <a:endParaRPr lang="en-US" dirty="0">
+              <a:solidFill>
+                <a:schemeClr val="bg1"/>
+              </a:solidFill>
+            </a:endParaRPr>
+          </a:p>
+        </p:txBody>
+      </p:sp>
+      <p:sp>
+        <p:nvSpPr>
+          <p:cNvPr id="29" name="Speech Bubble: Rectangle 28">
+            <a:extLst>
+              <a:ext uri="{FF2B5EF4-FFF2-40B4-BE49-F238E27FC236}">
+                <a16:creationId xmlns:a16="http://schemas.microsoft.com/office/drawing/2014/main" id="{2AAA413C-ED02-4EEB-BA90-E9CD7503BDDA}"/>
+              </a:ext>
+            </a:extLst>
+          </p:cNvPr>
+          <p:cNvSpPr/>
+          <p:nvPr/>
+        </p:nvSpPr>
+        <p:spPr>
+          <a:xfrm>
+            <a:off x="2977446" y="1774296"/>
+            <a:ext cx="3824043" cy="745066"/>
+          </a:xfrm>
+          <a:prstGeom prst="wedgeRectCallout">
+            <a:avLst>
+              <a:gd name="adj1" fmla="val -58454"/>
+              <a:gd name="adj2" fmla="val 115775"/>
+            </a:avLst>
+          </a:prstGeom>
+          <a:noFill/>
+          <a:ln w="19050">
+            <a:solidFill>
+              <a:schemeClr val="bg1"/>
+            </a:solidFill>
+          </a:ln>
+          <a:effectLst/>
+        </p:spPr>
+        <p:style>
+          <a:lnRef idx="2">
+            <a:schemeClr val="accent1">
+              <a:shade val="50000"/>
+            </a:schemeClr>
+          </a:lnRef>
+          <a:fillRef idx="1">
+            <a:schemeClr val="accent1"/>
+          </a:fillRef>
+          <a:effectRef idx="0">
+            <a:schemeClr val="accent1"/>
+          </a:effectRef>
+          <a:fontRef idx="minor">
+            <a:schemeClr val="lt1"/>
+          </a:fontRef>
+        </p:style>
+        <p:txBody>
+          <a:bodyPr rtlCol="0" anchor="ctr"/>
+          <a:lstStyle/>
+          <a:p>
+            <a:pPr algn="ctr"/>
+            <a:r>
+              <a:rPr lang="zh-CN" altLang="en-US" dirty="0">
+                <a:solidFill>
+                  <a:schemeClr val="bg1"/>
+                </a:solidFill>
+              </a:rPr>
+              <a:t>每个</a:t>
+            </a:r>
+            <a:r>
+              <a:rPr lang="en-US" altLang="zh-CN" dirty="0">
+                <a:solidFill>
+                  <a:schemeClr val="bg1"/>
+                </a:solidFill>
+              </a:rPr>
+              <a:t>thread</a:t>
+            </a:r>
+            <a:r>
+              <a:rPr lang="zh-CN" altLang="en-US" dirty="0">
+                <a:solidFill>
+                  <a:schemeClr val="bg1"/>
+                </a:solidFill>
+              </a:rPr>
+              <a:t>处理一个</a:t>
+            </a:r>
+            <a:r>
+              <a:rPr lang="en-US" altLang="zh-CN" dirty="0">
+                <a:solidFill>
+                  <a:schemeClr val="bg1"/>
+                </a:solidFill>
+              </a:rPr>
+              <a:t>patch(</a:t>
+            </a:r>
+            <a:r>
+              <a:rPr lang="zh-CN" altLang="en-US" dirty="0">
+                <a:solidFill>
+                  <a:schemeClr val="bg1"/>
+                </a:solidFill>
+              </a:rPr>
+              <a:t>面片</a:t>
+            </a:r>
+            <a:r>
+              <a:rPr lang="en-US" altLang="zh-CN" dirty="0">
+                <a:solidFill>
+                  <a:schemeClr val="bg1"/>
+                </a:solidFill>
+              </a:rPr>
+              <a:t>)</a:t>
+            </a:r>
+          </a:p>
+          <a:p>
+            <a:pPr algn="ctr"/>
+            <a:r>
+              <a:rPr lang="zh-CN" altLang="en-US" dirty="0">
+                <a:solidFill>
+                  <a:schemeClr val="bg1"/>
+                </a:solidFill>
+              </a:rPr>
+              <a:t>即一个面片的所有顶点列表</a:t>
+            </a:r>
+            <a:endParaRPr lang="en-US" dirty="0">
+              <a:solidFill>
+                <a:schemeClr val="bg1"/>
+              </a:solidFill>
+            </a:endParaRPr>
+          </a:p>
+        </p:txBody>
+      </p:sp>
+      <p:sp>
+        <p:nvSpPr>
+          <p:cNvPr id="30" name="Rectangle 29">
+            <a:extLst>
+              <a:ext uri="{FF2B5EF4-FFF2-40B4-BE49-F238E27FC236}">
+                <a16:creationId xmlns:a16="http://schemas.microsoft.com/office/drawing/2014/main" id="{2052BC5B-1787-4298-BB3D-26CD30DF850A}"/>
+              </a:ext>
+            </a:extLst>
+          </p:cNvPr>
+          <p:cNvSpPr/>
+          <p:nvPr/>
+        </p:nvSpPr>
+        <p:spPr>
+          <a:xfrm>
+            <a:off x="493933" y="3201897"/>
+            <a:ext cx="838290" cy="533400"/>
+          </a:xfrm>
+          <a:prstGeom prst="rect">
+            <a:avLst/>
+          </a:prstGeom>
+          <a:noFill/>
+          <a:ln>
+            <a:noFill/>
+          </a:ln>
+          <a:effectLst/>
+        </p:spPr>
+        <p:style>
+          <a:lnRef idx="2">
+            <a:schemeClr val="accent1">
+              <a:shade val="50000"/>
+            </a:schemeClr>
+          </a:lnRef>
+          <a:fillRef idx="1">
+            <a:schemeClr val="accent1"/>
+          </a:fillRef>
+          <a:effectRef idx="0">
+            <a:schemeClr val="accent1"/>
+          </a:effectRef>
+          <a:fontRef idx="minor">
+            <a:schemeClr val="lt1"/>
+          </a:fontRef>
+        </p:style>
+        <p:txBody>
+          <a:bodyPr rtlCol="0" anchor="ctr"/>
+          <a:lstStyle/>
+          <a:p>
+            <a:pPr algn="ctr"/>
+            <a:r>
+              <a:rPr lang="en-US" dirty="0" err="1">
+                <a:solidFill>
+                  <a:schemeClr val="bg1"/>
+                </a:solidFill>
+              </a:rPr>
+              <a:t>gl_out</a:t>
+            </a:r>
+            <a:endParaRPr lang="en-US" dirty="0">
+              <a:solidFill>
+                <a:schemeClr val="bg1"/>
+              </a:solidFill>
+            </a:endParaRPr>
+          </a:p>
+        </p:txBody>
+      </p:sp>
+      <p:sp>
+        <p:nvSpPr>
+          <p:cNvPr id="25" name="Speech Bubble: Rectangle 24">
+            <a:extLst>
+              <a:ext uri="{FF2B5EF4-FFF2-40B4-BE49-F238E27FC236}">
+                <a16:creationId xmlns:a16="http://schemas.microsoft.com/office/drawing/2014/main" id="{0CEA43CD-0F44-4A4D-A231-515353D198B1}"/>
+              </a:ext>
+            </a:extLst>
+          </p:cNvPr>
+          <p:cNvSpPr/>
+          <p:nvPr/>
+        </p:nvSpPr>
+        <p:spPr>
+          <a:xfrm>
+            <a:off x="2894302" y="3044089"/>
+            <a:ext cx="2801648" cy="500709"/>
+          </a:xfrm>
+          <a:prstGeom prst="wedgeRectCallout">
+            <a:avLst>
+              <a:gd name="adj1" fmla="val -54220"/>
+              <a:gd name="adj2" fmla="val 192959"/>
+            </a:avLst>
+          </a:prstGeom>
+          <a:noFill/>
+          <a:ln w="19050">
+            <a:solidFill>
+              <a:schemeClr val="bg1"/>
+            </a:solidFill>
+          </a:ln>
+          <a:effectLst/>
+        </p:spPr>
+        <p:style>
+          <a:lnRef idx="2">
+            <a:schemeClr val="accent1">
+              <a:shade val="50000"/>
+            </a:schemeClr>
+          </a:lnRef>
+          <a:fillRef idx="1">
+            <a:schemeClr val="accent1"/>
+          </a:fillRef>
+          <a:effectRef idx="0">
+            <a:schemeClr val="accent1"/>
+          </a:effectRef>
+          <a:fontRef idx="minor">
+            <a:schemeClr val="lt1"/>
+          </a:fontRef>
+        </p:style>
+        <p:txBody>
+          <a:bodyPr rtlCol="0" anchor="ctr"/>
+          <a:lstStyle/>
+          <a:p>
+            <a:pPr algn="ctr"/>
+            <a:r>
+              <a:rPr lang="zh-CN" altLang="en-US" dirty="0">
+                <a:solidFill>
+                  <a:schemeClr val="bg1"/>
+                </a:solidFill>
+              </a:rPr>
+              <a:t>每个</a:t>
+            </a:r>
+            <a:r>
+              <a:rPr lang="en-US" altLang="zh-CN" dirty="0">
+                <a:solidFill>
+                  <a:schemeClr val="bg1"/>
+                </a:solidFill>
+              </a:rPr>
+              <a:t>thread</a:t>
+            </a:r>
+            <a:r>
+              <a:rPr lang="zh-CN" altLang="en-US" dirty="0">
+                <a:solidFill>
+                  <a:schemeClr val="bg1"/>
+                </a:solidFill>
+              </a:rPr>
+              <a:t>处理一个图元</a:t>
+            </a:r>
+            <a:endParaRPr lang="en-US" dirty="0">
+              <a:solidFill>
+                <a:schemeClr val="bg1"/>
+              </a:solidFill>
+            </a:endParaRPr>
+          </a:p>
+        </p:txBody>
+      </p:sp>
+      <p:sp>
+        <p:nvSpPr>
+          <p:cNvPr id="28" name="Speech Bubble: Rectangle 27">
+            <a:extLst>
+              <a:ext uri="{FF2B5EF4-FFF2-40B4-BE49-F238E27FC236}">
+                <a16:creationId xmlns:a16="http://schemas.microsoft.com/office/drawing/2014/main" id="{C106EAF3-893B-4EA7-B50C-0B2316731C22}"/>
+              </a:ext>
+            </a:extLst>
+          </p:cNvPr>
+          <p:cNvSpPr/>
+          <p:nvPr/>
+        </p:nvSpPr>
+        <p:spPr>
+          <a:xfrm>
+            <a:off x="2802600" y="4886851"/>
+            <a:ext cx="3824043" cy="448526"/>
+          </a:xfrm>
+          <a:prstGeom prst="wedgeRectCallout">
+            <a:avLst>
+              <a:gd name="adj1" fmla="val -55465"/>
+              <a:gd name="adj2" fmla="val 103551"/>
+            </a:avLst>
+          </a:prstGeom>
+          <a:noFill/>
+          <a:ln w="19050">
+            <a:solidFill>
+              <a:schemeClr val="bg1"/>
+            </a:solidFill>
+          </a:ln>
+          <a:effectLst/>
+        </p:spPr>
+        <p:style>
+          <a:lnRef idx="2">
+            <a:schemeClr val="accent1">
+              <a:shade val="50000"/>
+            </a:schemeClr>
+          </a:lnRef>
+          <a:fillRef idx="1">
+            <a:schemeClr val="accent1"/>
+          </a:fillRef>
+          <a:effectRef idx="0">
+            <a:schemeClr val="accent1"/>
+          </a:effectRef>
+          <a:fontRef idx="minor">
+            <a:schemeClr val="lt1"/>
+          </a:fontRef>
+        </p:style>
+        <p:txBody>
+          <a:bodyPr rtlCol="0" anchor="ctr"/>
+          <a:lstStyle/>
+          <a:p>
+            <a:pPr algn="ctr"/>
+            <a:r>
+              <a:rPr lang="zh-CN" altLang="en-US" dirty="0">
+                <a:solidFill>
+                  <a:schemeClr val="bg1"/>
+                </a:solidFill>
+              </a:rPr>
+              <a:t>每个</a:t>
+            </a:r>
+            <a:r>
+              <a:rPr lang="en-US" altLang="zh-CN" dirty="0">
+                <a:solidFill>
+                  <a:schemeClr val="bg1"/>
+                </a:solidFill>
+              </a:rPr>
+              <a:t>thread</a:t>
+            </a:r>
+            <a:r>
+              <a:rPr lang="zh-CN" altLang="en-US" dirty="0">
+                <a:solidFill>
+                  <a:schemeClr val="bg1"/>
+                </a:solidFill>
+              </a:rPr>
+              <a:t>处理一个片元</a:t>
             </a:r>
             <a:endParaRPr lang="en-US" dirty="0">
               <a:solidFill>
@@ -3663,197 +4714,6 @@
     <p:extLst>
       <p:ext uri="{BB962C8B-B14F-4D97-AF65-F5344CB8AC3E}">
         <p14:creationId xmlns:p14="http://schemas.microsoft.com/office/powerpoint/2010/main" val="3984344640"/>
-      </p:ext>
-    </p:extLst>
-  </p:cSld>
-  <p:clrMapOvr>
-    <a:masterClrMapping/>
-  </p:clrMapOvr>
-</p:sld>
-</file>
-
-<file path=ppt/slides/slide3.xml><?xml version="1.0" encoding="utf-8"?>
-<p:sld xmlns:a="http://schemas.openxmlformats.org/drawingml/2006/main" xmlns:r="http://schemas.openxmlformats.org/officeDocument/2006/relationships" xmlns:p="http://schemas.openxmlformats.org/presentationml/2006/main">
-  <p:cSld>
-    <p:spTree>
-      <p:nvGrpSpPr>
-        <p:cNvPr id="1" name=""/>
-        <p:cNvGrpSpPr/>
-        <p:nvPr/>
-      </p:nvGrpSpPr>
-      <p:grpSpPr>
-        <a:xfrm>
-          <a:off x="0" y="0"/>
-          <a:ext cx="0" cy="0"/>
-          <a:chOff x="0" y="0"/>
-          <a:chExt cx="0" cy="0"/>
-        </a:xfrm>
-      </p:grpSpPr>
-      <p:sp>
-        <p:nvSpPr>
-          <p:cNvPr id="2" name="Content Placeholder 1">
-            <a:extLst>
-              <a:ext uri="{FF2B5EF4-FFF2-40B4-BE49-F238E27FC236}">
-                <a16:creationId xmlns:a16="http://schemas.microsoft.com/office/drawing/2014/main" id="{62F0C778-32F6-4750-AA9D-CF74A2AD5ADD}"/>
-              </a:ext>
-            </a:extLst>
-          </p:cNvPr>
-          <p:cNvSpPr>
-            <a:spLocks noGrp="1"/>
-          </p:cNvSpPr>
-          <p:nvPr>
-            <p:ph idx="1"/>
-          </p:nvPr>
-        </p:nvSpPr>
-        <p:spPr>
-          <a:xfrm>
-            <a:off x="313245" y="1038224"/>
-            <a:ext cx="11338560" cy="5280659"/>
-          </a:xfrm>
-        </p:spPr>
-        <p:txBody>
-          <a:bodyPr/>
-          <a:lstStyle/>
-          <a:p>
-            <a:r>
-              <a:rPr lang="zh-CN" altLang="en-US" sz="2800" dirty="0"/>
-              <a:t>顶点数组（</a:t>
-            </a:r>
-            <a:r>
-              <a:rPr lang="en-US" altLang="zh-CN" sz="2800" dirty="0"/>
-              <a:t>GPU/CPU</a:t>
-            </a:r>
-            <a:r>
-              <a:rPr lang="en-US" altLang="zh-CN" sz="2800" dirty="0">
-                <a:solidFill>
-                  <a:srgbClr val="FF0000"/>
-                </a:solidFill>
-              </a:rPr>
-              <a:t>???</a:t>
-            </a:r>
-            <a:r>
-              <a:rPr lang="zh-CN" altLang="en-US" sz="2800" dirty="0"/>
-              <a:t>）</a:t>
-            </a:r>
-            <a:endParaRPr lang="en-US" altLang="zh-CN" sz="2800" dirty="0"/>
-          </a:p>
-          <a:p>
-            <a:pPr lvl="1"/>
-            <a:r>
-              <a:rPr lang="zh-CN" altLang="en-US" sz="2400" dirty="0"/>
-              <a:t>创建对象：</a:t>
-            </a:r>
-            <a:r>
-              <a:rPr lang="en-US" altLang="zh-CN" sz="2400" dirty="0" err="1"/>
-              <a:t>glCreateVertexArrays</a:t>
-            </a:r>
-            <a:r>
-              <a:rPr lang="en-US" altLang="zh-CN" sz="2400" dirty="0"/>
-              <a:t>();</a:t>
-            </a:r>
-          </a:p>
-          <a:p>
-            <a:pPr lvl="1"/>
-            <a:r>
-              <a:rPr lang="zh-CN" altLang="en-US" sz="2400" dirty="0"/>
-              <a:t>绑定对象：</a:t>
-            </a:r>
-            <a:r>
-              <a:rPr lang="en-US" altLang="zh-CN" sz="2400" dirty="0" err="1"/>
-              <a:t>glBindVertexArrays</a:t>
-            </a:r>
-            <a:r>
-              <a:rPr lang="en-US" altLang="zh-CN" sz="2400" dirty="0"/>
-              <a:t>();</a:t>
-            </a:r>
-          </a:p>
-          <a:p>
-            <a:pPr lvl="1"/>
-            <a:r>
-              <a:rPr lang="zh-CN" altLang="en-US" sz="2400" dirty="0"/>
-              <a:t>释放对象：</a:t>
-            </a:r>
-            <a:r>
-              <a:rPr lang="en-US" altLang="zh-CN" sz="2400" dirty="0" err="1"/>
-              <a:t>glDeleteVertexArrays</a:t>
-            </a:r>
-            <a:r>
-              <a:rPr lang="en-US" altLang="zh-CN" sz="2400" dirty="0"/>
-              <a:t>();</a:t>
-            </a:r>
-          </a:p>
-          <a:p>
-            <a:pPr lvl="1"/>
-            <a:endParaRPr lang="en-US" altLang="zh-CN" sz="2400" dirty="0"/>
-          </a:p>
-        </p:txBody>
-      </p:sp>
-      <p:sp>
-        <p:nvSpPr>
-          <p:cNvPr id="3" name="Title 2">
-            <a:extLst>
-              <a:ext uri="{FF2B5EF4-FFF2-40B4-BE49-F238E27FC236}">
-                <a16:creationId xmlns:a16="http://schemas.microsoft.com/office/drawing/2014/main" id="{CEDC0840-5118-4BFD-899F-D50C1A686498}"/>
-              </a:ext>
-            </a:extLst>
-          </p:cNvPr>
-          <p:cNvSpPr>
-            <a:spLocks noGrp="1"/>
-          </p:cNvSpPr>
-          <p:nvPr>
-            <p:ph type="title"/>
-          </p:nvPr>
-        </p:nvSpPr>
-        <p:spPr/>
-        <p:txBody>
-          <a:bodyPr/>
-          <a:lstStyle/>
-          <a:p>
-            <a:r>
-              <a:rPr lang="en-US" altLang="zh-CN" dirty="0" err="1"/>
-              <a:t>opengl</a:t>
-            </a:r>
-            <a:r>
-              <a:rPr lang="en-US" altLang="zh-CN" dirty="0"/>
-              <a:t> </a:t>
-            </a:r>
-            <a:endParaRPr lang="en-US" dirty="0"/>
-          </a:p>
-        </p:txBody>
-      </p:sp>
-      <p:sp>
-        <p:nvSpPr>
-          <p:cNvPr id="4" name="Text Placeholder 3">
-            <a:extLst>
-              <a:ext uri="{FF2B5EF4-FFF2-40B4-BE49-F238E27FC236}">
-                <a16:creationId xmlns:a16="http://schemas.microsoft.com/office/drawing/2014/main" id="{23BC3E91-3C7D-4DD3-9DC0-25A44DC2381D}"/>
-              </a:ext>
-            </a:extLst>
-          </p:cNvPr>
-          <p:cNvSpPr>
-            <a:spLocks noGrp="1"/>
-          </p:cNvSpPr>
-          <p:nvPr>
-            <p:ph type="body" sz="quarter" idx="10"/>
-          </p:nvPr>
-        </p:nvSpPr>
-        <p:spPr/>
-        <p:txBody>
-          <a:bodyPr/>
-          <a:lstStyle/>
-          <a:p>
-            <a:r>
-              <a:rPr lang="zh-CN" altLang="en-US" dirty="0"/>
-              <a:t>存储类型</a:t>
-            </a:r>
-            <a:endParaRPr lang="en-US" dirty="0"/>
-          </a:p>
-        </p:txBody>
-      </p:sp>
-    </p:spTree>
-    <p:extLst>
-      <p:ext uri="{BB962C8B-B14F-4D97-AF65-F5344CB8AC3E}">
-        <p14:creationId xmlns:p14="http://schemas.microsoft.com/office/powerpoint/2010/main" val="944734417"/>
       </p:ext>
     </p:extLst>
   </p:cSld>
@@ -3907,63 +4767,36 @@
           <a:lstStyle/>
           <a:p>
             <a:r>
+              <a:rPr lang="zh-CN" altLang="en-US" sz="2800" dirty="0"/>
+              <a:t>顶点数组（</a:t>
+            </a:r>
+            <a:r>
               <a:rPr lang="en-US" altLang="zh-CN" sz="2800" dirty="0"/>
-              <a:t>Uniform</a:t>
-            </a:r>
+              <a:t>GPU/CPU</a:t>
+            </a:r>
+            <a:r>
+              <a:rPr lang="en-US" altLang="zh-CN" sz="2800" dirty="0">
+                <a:solidFill>
+                  <a:srgbClr val="FF0000"/>
+                </a:solidFill>
+              </a:rPr>
+              <a:t>???</a:t>
+            </a:r>
+            <a:r>
+              <a:rPr lang="zh-CN" altLang="en-US" sz="2800" dirty="0"/>
+              <a:t>）</a:t>
+            </a:r>
+            <a:endParaRPr lang="en-US" altLang="zh-CN" sz="2800" dirty="0"/>
           </a:p>
           <a:p>
             <a:pPr lvl="1"/>
             <a:r>
-              <a:rPr lang="en-US" altLang="zh-CN" sz="2400" dirty="0"/>
-              <a:t>host </a:t>
-            </a:r>
-            <a:r>
               <a:rPr lang="zh-CN" altLang="en-US" sz="2400" dirty="0"/>
-              <a:t>直接传入的数据，不需要</a:t>
+              <a:t>创建对象：</a:t>
             </a:r>
             <a:r>
               <a:rPr lang="en-US" altLang="zh-CN" sz="2400" dirty="0" err="1"/>
-              <a:t>memcpy</a:t>
-            </a:r>
-            <a:r>
-              <a:rPr lang="zh-CN" altLang="en-US" sz="2400" dirty="0"/>
-              <a:t>，</a:t>
-            </a:r>
-            <a:r>
-              <a:rPr lang="en-US" altLang="zh-CN" sz="2400" dirty="0"/>
-              <a:t>shader</a:t>
-            </a:r>
-            <a:r>
-              <a:rPr lang="zh-CN" altLang="en-US" sz="2400" dirty="0"/>
-              <a:t>无法修改</a:t>
-            </a:r>
-            <a:endParaRPr lang="en-US" altLang="zh-CN" sz="2400" dirty="0"/>
-          </a:p>
-          <a:p>
-            <a:pPr lvl="1"/>
-            <a:r>
-              <a:rPr lang="zh-CN" altLang="en-US" sz="2400" dirty="0"/>
-              <a:t>获得</a:t>
-            </a:r>
-            <a:r>
-              <a:rPr lang="en-US" altLang="zh-CN" sz="2400" dirty="0"/>
-              <a:t>shader</a:t>
-            </a:r>
-            <a:r>
-              <a:rPr lang="zh-CN" altLang="en-US" sz="2400" dirty="0"/>
-              <a:t>中</a:t>
-            </a:r>
-            <a:r>
-              <a:rPr lang="en-US" altLang="zh-CN" sz="2400" dirty="0"/>
-              <a:t>uniform</a:t>
-            </a:r>
-            <a:r>
-              <a:rPr lang="zh-CN" altLang="en-US" sz="2400" dirty="0"/>
-              <a:t>变量的索引值：</a:t>
-            </a:r>
-            <a:r>
-              <a:rPr lang="en-US" altLang="zh-CN" sz="2400" dirty="0" err="1"/>
-              <a:t>glGetUniformLoacation</a:t>
+              <a:t>glCreateVertexArrays</a:t>
             </a:r>
             <a:r>
               <a:rPr lang="en-US" altLang="zh-CN" sz="2400" dirty="0"/>
@@ -3974,24 +4807,35 @@
             <a:pPr lvl="1"/>
             <a:r>
               <a:rPr lang="zh-CN" altLang="en-US" sz="2400" dirty="0"/>
-              <a:t>赋值：</a:t>
+              <a:t>绑定对象：</a:t>
+            </a:r>
+            <a:r>
+              <a:rPr lang="en-US" altLang="zh-CN" sz="2400" dirty="0" err="1"/>
+              <a:t>glBindVertexArrays</a:t>
             </a:r>
             <a:r>
               <a:rPr lang="en-US" altLang="zh-CN" sz="2400" dirty="0"/>
-              <a:t>glUniform1f(); glUniform1fv(); glUniformMatrix1fv(); glUniformMatrix2x4fv();</a:t>
-            </a:r>
+              <a:t>();</a:t>
+            </a:r>
+          </a:p>
+          <a:p>
+            <a:pPr lvl="1"/>
             <a:r>
               <a:rPr lang="zh-CN" altLang="en-US" sz="2400" dirty="0"/>
-              <a:t>等</a:t>
-            </a:r>
-            <a:endParaRPr lang="en-US" altLang="zh-CN" sz="2400" dirty="0"/>
+              <a:t>释放对象：</a:t>
+            </a:r>
+            <a:r>
+              <a:rPr lang="en-US" altLang="zh-CN" sz="2400" dirty="0" err="1"/>
+              <a:t>glDeleteVertexArrays</a:t>
+            </a:r>
+            <a:r>
+              <a:rPr lang="en-US" altLang="zh-CN" sz="2400" dirty="0"/>
+              <a:t>();</a:t>
+            </a:r>
           </a:p>
           <a:p>
             <a:pPr lvl="1"/>
             <a:endParaRPr lang="en-US" altLang="zh-CN" sz="2400" dirty="0"/>
-          </a:p>
-          <a:p>
-            <a:endParaRPr lang="en-US" altLang="zh-CN" sz="2000" dirty="0"/>
           </a:p>
         </p:txBody>
       </p:sp>
@@ -4051,7 +4895,7 @@
           <a:p>
             <a:r>
               <a:rPr lang="zh-CN" altLang="en-US" dirty="0"/>
-              <a:t>参数类型</a:t>
+              <a:t>存储类型</a:t>
             </a:r>
             <a:endParaRPr lang="en-US" dirty="0"/>
           </a:p>
@@ -4060,7 +4904,7 @@
     </p:spTree>
     <p:extLst>
       <p:ext uri="{BB962C8B-B14F-4D97-AF65-F5344CB8AC3E}">
-        <p14:creationId xmlns:p14="http://schemas.microsoft.com/office/powerpoint/2010/main" val="4104968123"/>
+        <p14:creationId xmlns:p14="http://schemas.microsoft.com/office/powerpoint/2010/main" val="944734417"/>
       </p:ext>
     </p:extLst>
   </p:cSld>
@@ -4115,31 +4959,62 @@
           <a:p>
             <a:r>
               <a:rPr lang="en-US" altLang="zh-CN" sz="2800" dirty="0"/>
-              <a:t>Buffer </a:t>
-            </a:r>
-            <a:r>
-              <a:rPr lang="zh-CN" altLang="en-US" sz="2800" dirty="0"/>
-              <a:t>（显存对象）</a:t>
-            </a:r>
-            <a:endParaRPr lang="en-US" altLang="zh-CN" sz="2800" dirty="0"/>
+              <a:t>Uniform</a:t>
+            </a:r>
           </a:p>
           <a:p>
             <a:pPr lvl="1"/>
             <a:r>
+              <a:rPr lang="en-US" altLang="zh-CN" sz="2400" dirty="0"/>
+              <a:t>host </a:t>
+            </a:r>
+            <a:r>
               <a:rPr lang="zh-CN" altLang="en-US" sz="2400" dirty="0"/>
-              <a:t>创建对象：</a:t>
+              <a:t>直接传入的数据，不需要</a:t>
             </a:r>
             <a:r>
               <a:rPr lang="en-US" altLang="zh-CN" sz="2400" dirty="0" err="1"/>
-              <a:t>glGenBuffers</a:t>
+              <a:t>memcpy</a:t>
+            </a:r>
+            <a:r>
+              <a:rPr lang="zh-CN" altLang="en-US" sz="2400" dirty="0"/>
+              <a:t>，</a:t>
             </a:r>
             <a:r>
               <a:rPr lang="en-US" altLang="zh-CN" sz="2400" dirty="0"/>
-              <a:t>(); </a:t>
+              <a:t>shader</a:t>
+            </a:r>
+            <a:r>
+              <a:rPr lang="zh-CN" altLang="en-US" sz="2400" dirty="0"/>
+              <a:t>无法修改</a:t>
+            </a:r>
+            <a:endParaRPr lang="en-US" altLang="zh-CN" sz="2400" dirty="0"/>
+          </a:p>
+          <a:p>
+            <a:pPr lvl="1"/>
+            <a:r>
+              <a:rPr lang="zh-CN" altLang="en-US" sz="2400" dirty="0"/>
+              <a:t>获得</a:t>
+            </a:r>
+            <a:r>
+              <a:rPr lang="en-US" altLang="zh-CN" sz="2400" dirty="0"/>
+              <a:t>shader</a:t>
+            </a:r>
+            <a:r>
+              <a:rPr lang="zh-CN" altLang="en-US" sz="2400" dirty="0"/>
+              <a:t>中</a:t>
+            </a:r>
+            <a:r>
+              <a:rPr lang="en-US" altLang="zh-CN" sz="2400" dirty="0"/>
+              <a:t>uniform</a:t>
+            </a:r>
+            <a:r>
+              <a:rPr lang="zh-CN" altLang="en-US" sz="2400" dirty="0"/>
+              <a:t>变量的索引值：</a:t>
             </a:r>
             <a:r>
               <a:rPr lang="en-US" altLang="zh-CN" sz="2400" dirty="0" err="1"/>
-              <a:t>glCreateBuffers</a:t>
+              <a:t>glGetUniformLoacation</a:t>
             </a:r>
             <a:r>
               <a:rPr lang="en-US" altLang="zh-CN" sz="2400" dirty="0"/>
@@ -4150,150 +5025,24 @@
             <a:pPr lvl="1"/>
             <a:r>
               <a:rPr lang="zh-CN" altLang="en-US" sz="2400" dirty="0"/>
-              <a:t>绑定对象</a:t>
-            </a:r>
-            <a:r>
-              <a:rPr lang="en-US" altLang="zh-CN" sz="2400" dirty="0">
-                <a:solidFill>
-                  <a:srgbClr val="FF0000"/>
-                </a:solidFill>
-              </a:rPr>
-              <a:t>???</a:t>
+              <a:t>赋值：</a:t>
+            </a:r>
+            <a:r>
+              <a:rPr lang="en-US" altLang="zh-CN" sz="2400" dirty="0"/>
+              <a:t>glUniform1f(); glUniform1fv(); glUniformMatrix1fv(); glUniformMatrix2x4fv();</a:t>
             </a:r>
             <a:r>
               <a:rPr lang="zh-CN" altLang="en-US" sz="2400" dirty="0"/>
-              <a:t>：</a:t>
-            </a:r>
-            <a:r>
-              <a:rPr lang="en-US" altLang="zh-CN" sz="2400" dirty="0" err="1"/>
-              <a:t>glBindBuffer</a:t>
-            </a:r>
-            <a:r>
-              <a:rPr lang="en-US" altLang="zh-CN" sz="2400" dirty="0"/>
-              <a:t>(); </a:t>
-            </a:r>
-          </a:p>
-          <a:p>
-            <a:pPr lvl="2"/>
-            <a:r>
-              <a:rPr lang="en-US" altLang="zh-CN" sz="2000" dirty="0"/>
-              <a:t>GL_ARRAY_BUFFER; GL_ELEMENT_ARRAY_BUFFER</a:t>
-            </a:r>
+              <a:t>等</a:t>
+            </a:r>
+            <a:endParaRPr lang="en-US" altLang="zh-CN" sz="2400" dirty="0"/>
           </a:p>
           <a:p>
             <a:pPr lvl="1"/>
-            <a:r>
-              <a:rPr lang="zh-CN" altLang="en-US" sz="2400" dirty="0"/>
-              <a:t>分配空间并拷贝数据到</a:t>
-            </a:r>
-            <a:r>
-              <a:rPr lang="en-US" altLang="zh-CN" sz="2400" dirty="0"/>
-              <a:t>GPU</a:t>
-            </a:r>
-            <a:r>
-              <a:rPr lang="zh-CN" altLang="en-US" sz="2400" dirty="0"/>
-              <a:t>：</a:t>
-            </a:r>
-            <a:r>
-              <a:rPr lang="en-US" altLang="zh-CN" sz="2400" dirty="0" err="1"/>
-              <a:t>glBufferStorage</a:t>
-            </a:r>
-            <a:r>
-              <a:rPr lang="en-US" altLang="zh-CN" sz="2400" dirty="0"/>
-              <a:t>(); </a:t>
-            </a:r>
-            <a:r>
-              <a:rPr lang="en-US" altLang="zh-CN" sz="2400" dirty="0" err="1"/>
-              <a:t>glBufferData</a:t>
-            </a:r>
-            <a:r>
-              <a:rPr lang="en-US" altLang="zh-CN" sz="2400" dirty="0"/>
-              <a:t>(); </a:t>
-            </a:r>
-            <a:r>
-              <a:rPr lang="en-US" altLang="zh-CN" sz="2400" dirty="0" err="1"/>
-              <a:t>glBufferSubData</a:t>
-            </a:r>
-            <a:r>
-              <a:rPr lang="en-US" altLang="zh-CN" sz="2400" dirty="0"/>
-              <a:t>();</a:t>
-            </a:r>
-          </a:p>
-          <a:p>
-            <a:pPr lvl="1"/>
-            <a:r>
-              <a:rPr lang="zh-CN" altLang="en-US" sz="2400" dirty="0"/>
-              <a:t>释放空间和对象：</a:t>
-            </a:r>
-            <a:r>
-              <a:rPr lang="en-US" altLang="zh-CN" sz="2400" dirty="0" err="1"/>
-              <a:t>glDeleteBuffers</a:t>
-            </a:r>
-            <a:r>
-              <a:rPr lang="en-US" altLang="zh-CN" sz="2400" dirty="0"/>
-              <a:t>();</a:t>
-            </a:r>
-          </a:p>
-          <a:p>
-            <a:pPr lvl="1"/>
-            <a:r>
-              <a:rPr lang="zh-CN" altLang="en-US" sz="2400" dirty="0"/>
-              <a:t>映射到</a:t>
-            </a:r>
-            <a:r>
-              <a:rPr lang="en-US" altLang="zh-CN" sz="2400" dirty="0"/>
-              <a:t>CPU</a:t>
-            </a:r>
-            <a:r>
-              <a:rPr lang="zh-CN" altLang="en-US" sz="2400" dirty="0"/>
-              <a:t>：</a:t>
-            </a:r>
-            <a:r>
-              <a:rPr lang="en-US" altLang="zh-CN" sz="2400" dirty="0" err="1"/>
-              <a:t>glMapBuffer</a:t>
-            </a:r>
-            <a:r>
-              <a:rPr lang="en-US" altLang="zh-CN" sz="2400" dirty="0"/>
-              <a:t>(); </a:t>
-            </a:r>
-          </a:p>
-          <a:p>
-            <a:pPr lvl="2"/>
-            <a:r>
-              <a:rPr lang="en-US" altLang="zh-CN" sz="2000" dirty="0"/>
-              <a:t>only for </a:t>
-            </a:r>
-            <a:r>
-              <a:rPr lang="en-US" altLang="zh-CN" sz="2000" dirty="0" err="1"/>
-              <a:t>glBufferData</a:t>
-            </a:r>
-            <a:r>
-              <a:rPr lang="en-US" altLang="zh-CN" sz="2000" dirty="0"/>
-              <a:t>();</a:t>
-            </a:r>
-          </a:p>
-          <a:p>
-            <a:pPr lvl="1"/>
-            <a:r>
-              <a:rPr lang="zh-CN" altLang="en-US" sz="2400" dirty="0"/>
-              <a:t>拷贝回</a:t>
-            </a:r>
-            <a:r>
-              <a:rPr lang="en-US" altLang="zh-CN" sz="2400" dirty="0"/>
-              <a:t>CPU</a:t>
-            </a:r>
-            <a:r>
-              <a:rPr lang="zh-CN" altLang="en-US" sz="2400" dirty="0"/>
-              <a:t>：</a:t>
-            </a:r>
-            <a:r>
-              <a:rPr lang="en-US" altLang="zh-CN" sz="2400" dirty="0" err="1"/>
-              <a:t>glGetNamedBufferData</a:t>
-            </a:r>
-            <a:r>
-              <a:rPr lang="en-US" altLang="zh-CN" sz="2400" dirty="0"/>
-              <a:t>();</a:t>
-            </a:r>
+            <a:endParaRPr lang="en-US" altLang="zh-CN" sz="2400" dirty="0"/>
+          </a:p>
+          <a:p>
+            <a:endParaRPr lang="en-US" altLang="zh-CN" sz="2000" dirty="0"/>
           </a:p>
         </p:txBody>
       </p:sp>
@@ -4362,7 +5111,7 @@
     </p:spTree>
     <p:extLst>
       <p:ext uri="{BB962C8B-B14F-4D97-AF65-F5344CB8AC3E}">
-        <p14:creationId xmlns:p14="http://schemas.microsoft.com/office/powerpoint/2010/main" val="511636657"/>
+        <p14:creationId xmlns:p14="http://schemas.microsoft.com/office/powerpoint/2010/main" val="4104968123"/>
       </p:ext>
     </p:extLst>
   </p:cSld>
@@ -4416,145 +5165,59 @@
           <a:lstStyle/>
           <a:p>
             <a:r>
-              <a:rPr lang="en-US" altLang="zh-CN" sz="2800" dirty="0" err="1"/>
-              <a:t>LoadShaders</a:t>
-            </a:r>
-            <a:r>
-              <a:rPr lang="en-US" altLang="zh-CN" sz="2400" dirty="0"/>
-              <a:t> </a:t>
-            </a:r>
+              <a:rPr lang="en-US" altLang="zh-CN" sz="2800" dirty="0"/>
+              <a:t>Buffer </a:t>
+            </a:r>
+            <a:r>
+              <a:rPr lang="zh-CN" altLang="en-US" sz="2800" dirty="0"/>
+              <a:t>（显存对象）</a:t>
+            </a:r>
+            <a:endParaRPr lang="en-US" altLang="zh-CN" sz="2800" dirty="0"/>
           </a:p>
           <a:p>
             <a:pPr lvl="1"/>
             <a:r>
+              <a:rPr lang="zh-CN" altLang="en-US" sz="2400" dirty="0"/>
+              <a:t>创建对象：</a:t>
+            </a:r>
+            <a:r>
               <a:rPr lang="en-US" altLang="zh-CN" sz="2400" dirty="0" err="1"/>
-              <a:t>glCreateProgram</a:t>
-            </a:r>
-            <a:r>
-              <a:rPr lang="en-US" altLang="zh-CN" sz="2000" dirty="0"/>
-              <a:t>(); // create empty program obj</a:t>
-            </a:r>
-          </a:p>
-          <a:p>
-            <a:pPr lvl="1"/>
-            <a:r>
-              <a:rPr lang="en-US" altLang="zh-CN" sz="2000" dirty="0"/>
-              <a:t>For each shader file</a:t>
-            </a:r>
-          </a:p>
-          <a:p>
-            <a:pPr lvl="1"/>
-            <a:r>
-              <a:rPr lang="en-US" altLang="zh-CN" sz="2000" dirty="0"/>
-              <a:t>{</a:t>
-            </a:r>
-          </a:p>
-          <a:p>
-            <a:pPr lvl="2"/>
-            <a:r>
-              <a:rPr lang="en-US" altLang="zh-CN" sz="2000" dirty="0" err="1"/>
-              <a:t>glCreateShader</a:t>
-            </a:r>
-            <a:r>
-              <a:rPr lang="en-US" altLang="zh-CN" sz="2000" dirty="0"/>
-              <a:t>(TYPE);	// </a:t>
-            </a:r>
-          </a:p>
-          <a:p>
-            <a:pPr lvl="2"/>
-            <a:r>
-              <a:rPr lang="en-US" altLang="zh-CN" sz="2000" dirty="0"/>
-              <a:t>read shader string</a:t>
-            </a:r>
-          </a:p>
-          <a:p>
-            <a:pPr lvl="2"/>
-            <a:r>
-              <a:rPr lang="en-US" altLang="zh-CN" sz="2000" dirty="0" err="1"/>
-              <a:t>glShaderSource</a:t>
-            </a:r>
-            <a:r>
-              <a:rPr lang="en-US" altLang="zh-CN" sz="2000" dirty="0"/>
-              <a:t>(); 	// set shader source code to a string</a:t>
-            </a:r>
-          </a:p>
-          <a:p>
-            <a:pPr lvl="2"/>
-            <a:r>
-              <a:rPr lang="en-US" altLang="zh-CN" sz="2000" dirty="0" err="1"/>
-              <a:t>glCompileShader</a:t>
-            </a:r>
-            <a:r>
-              <a:rPr lang="en-US" altLang="zh-CN" sz="2000" dirty="0"/>
-              <a:t>();	// compiles source to shader obj</a:t>
-            </a:r>
-          </a:p>
-          <a:p>
-            <a:pPr lvl="2"/>
-            <a:r>
-              <a:rPr lang="en-US" altLang="zh-CN" sz="2000" dirty="0" err="1"/>
-              <a:t>glAttachShader</a:t>
-            </a:r>
-            <a:r>
-              <a:rPr lang="en-US" altLang="zh-CN" sz="2000" dirty="0"/>
-              <a:t>();		// attach to program obj to prepare for link</a:t>
-            </a:r>
-          </a:p>
-          <a:p>
-            <a:pPr lvl="1"/>
-            <a:r>
-              <a:rPr lang="en-US" altLang="zh-CN" sz="2400" dirty="0"/>
-              <a:t>}</a:t>
-            </a:r>
-          </a:p>
-          <a:p>
-            <a:pPr lvl="1"/>
-            <a:r>
-              <a:rPr lang="en-US" altLang="zh-CN" sz="2400" dirty="0" err="1"/>
-              <a:t>glLinkProgram</a:t>
+              <a:t>glGenBuffers</a:t>
             </a:r>
             <a:r>
               <a:rPr lang="en-US" altLang="zh-CN" sz="2400" dirty="0"/>
               <a:t>(); </a:t>
             </a:r>
+            <a:r>
+              <a:rPr lang="en-US" altLang="zh-CN" sz="2400" dirty="0" err="1"/>
+              <a:t>glCreateBuffers</a:t>
+            </a:r>
+            <a:r>
+              <a:rPr lang="en-US" altLang="zh-CN" sz="2400" dirty="0"/>
+              <a:t>();</a:t>
+            </a:r>
           </a:p>
           <a:p>
             <a:pPr lvl="1"/>
             <a:r>
-              <a:rPr lang="en-US" altLang="zh-CN" sz="2400" dirty="0"/>
-              <a:t>For each shader </a:t>
+              <a:rPr lang="zh-CN" altLang="en-US" sz="2400" dirty="0"/>
+              <a:t>绑定对象</a:t>
+            </a:r>
+            <a:r>
+              <a:rPr lang="en-US" altLang="zh-CN" sz="2400" dirty="0">
+                <a:solidFill>
+                  <a:srgbClr val="FF0000"/>
+                </a:solidFill>
+              </a:rPr>
+              <a:t>???</a:t>
+            </a:r>
+            <a:r>
+              <a:rPr lang="zh-CN" altLang="en-US" sz="2400" dirty="0"/>
+              <a:t>：</a:t>
             </a:r>
             <a:r>
               <a:rPr lang="en-US" altLang="zh-CN" sz="2400" dirty="0" err="1"/>
-              <a:t>glDeleteShader</a:t>
-            </a:r>
-            <a:r>
-              <a:rPr lang="en-US" altLang="zh-CN" sz="2400" dirty="0"/>
-              <a:t>() // free mem and invalidate shader name</a:t>
-            </a:r>
-          </a:p>
-          <a:p>
-            <a:r>
-              <a:rPr lang="en-US" altLang="zh-CN" sz="2800" dirty="0" err="1"/>
-              <a:t>glUseProgram</a:t>
-            </a:r>
-            <a:r>
-              <a:rPr lang="en-US" altLang="zh-CN" sz="2800" dirty="0"/>
-              <a:t>();		// install program obj as current rendering state</a:t>
-            </a:r>
-          </a:p>
-          <a:p>
-            <a:r>
-              <a:rPr lang="zh-CN" altLang="en-US" sz="2800" dirty="0"/>
-              <a:t>设置参数：</a:t>
-            </a:r>
-            <a:endParaRPr lang="en-US" altLang="zh-CN" sz="2800" dirty="0"/>
-          </a:p>
-          <a:p>
-            <a:pPr lvl="1"/>
-            <a:r>
-              <a:rPr lang="en-US" altLang="zh-CN" sz="2400" dirty="0" err="1"/>
-              <a:t>glVertexAttribPointer</a:t>
+              <a:t>glBindBuffer</a:t>
             </a:r>
             <a:r>
               <a:rPr lang="en-US" altLang="zh-CN" sz="2400" dirty="0"/>
@@ -4562,10 +5225,45 @@
             </a:r>
           </a:p>
           <a:p>
+            <a:pPr lvl="2"/>
+            <a:r>
+              <a:rPr lang="en-US" altLang="zh-CN" sz="2000" dirty="0"/>
+              <a:t>GL_ARRAY_BUFFER; GL_ELEMENT_ARRAY_BUFFER</a:t>
+            </a:r>
+          </a:p>
+          <a:p>
             <a:pPr lvl="1"/>
             <a:r>
+              <a:rPr lang="zh-CN" altLang="en-US" sz="2400" dirty="0"/>
+              <a:t>分配空间并拷贝数据到</a:t>
+            </a:r>
+            <a:r>
+              <a:rPr lang="en-US" altLang="zh-CN" sz="2400" dirty="0"/>
+              <a:t>GPU</a:t>
+            </a:r>
+            <a:r>
+              <a:rPr lang="zh-CN" altLang="en-US" sz="2400" dirty="0"/>
+              <a:t>：</a:t>
+            </a:r>
+            <a:r>
               <a:rPr lang="en-US" altLang="zh-CN" sz="2400" dirty="0" err="1"/>
-              <a:t>glEnableVertexAttribArray</a:t>
+              <a:t>glBufferStorage</a:t>
+            </a:r>
+            <a:r>
+              <a:rPr lang="en-US" altLang="zh-CN" sz="2400" dirty="0"/>
+              <a:t>(); </a:t>
+            </a:r>
+            <a:r>
+              <a:rPr lang="en-US" altLang="zh-CN" sz="2400" dirty="0" err="1"/>
+              <a:t>glBufferData</a:t>
+            </a:r>
+            <a:r>
+              <a:rPr lang="en-US" altLang="zh-CN" sz="2400" dirty="0"/>
+              <a:t>(); </a:t>
+            </a:r>
+            <a:r>
+              <a:rPr lang="en-US" altLang="zh-CN" sz="2400" dirty="0" err="1"/>
+              <a:t>glBufferSubData</a:t>
             </a:r>
             <a:r>
               <a:rPr lang="en-US" altLang="zh-CN" sz="2400" dirty="0"/>
@@ -4573,18 +5271,80 @@
             </a:r>
           </a:p>
           <a:p>
-            <a:r>
-              <a:rPr lang="en-US" altLang="zh-CN" sz="2800" dirty="0" err="1"/>
-              <a:t>glDeleteProgram</a:t>
-            </a:r>
-            <a:r>
-              <a:rPr lang="en-US" altLang="zh-CN" sz="2800" dirty="0"/>
+            <a:pPr lvl="1"/>
+            <a:r>
+              <a:rPr lang="zh-CN" altLang="en-US" sz="2400" dirty="0"/>
+              <a:t>释放空间和对象：</a:t>
+            </a:r>
+            <a:r>
+              <a:rPr lang="en-US" altLang="zh-CN" sz="2400" dirty="0" err="1"/>
+              <a:t>glDeleteBuffers</a:t>
+            </a:r>
+            <a:r>
+              <a:rPr lang="en-US" altLang="zh-CN" sz="2400" dirty="0"/>
               <a:t>();</a:t>
             </a:r>
           </a:p>
           <a:p>
             <a:pPr lvl="1"/>
-            <a:endParaRPr lang="en-US" altLang="zh-CN" sz="2400" dirty="0"/>
+            <a:r>
+              <a:rPr lang="zh-CN" altLang="en-US" sz="2400" dirty="0"/>
+              <a:t>映射到</a:t>
+            </a:r>
+            <a:r>
+              <a:rPr lang="en-US" altLang="zh-CN" sz="2400" dirty="0"/>
+              <a:t>CPU</a:t>
+            </a:r>
+            <a:r>
+              <a:rPr lang="zh-CN" altLang="en-US" sz="2400" dirty="0"/>
+              <a:t>：</a:t>
+            </a:r>
+            <a:r>
+              <a:rPr lang="en-US" altLang="zh-CN" sz="2400" dirty="0" err="1"/>
+              <a:t>glMapBuffer</a:t>
+            </a:r>
+            <a:r>
+              <a:rPr lang="en-US" altLang="zh-CN" sz="2400" dirty="0"/>
+              <a:t>(); </a:t>
+            </a:r>
+          </a:p>
+          <a:p>
+            <a:pPr lvl="2"/>
+            <a:r>
+              <a:rPr lang="en-US" altLang="zh-CN" sz="2000" dirty="0"/>
+              <a:t>only for </a:t>
+            </a:r>
+            <a:r>
+              <a:rPr lang="en-US" altLang="zh-CN" sz="2000" dirty="0" err="1"/>
+              <a:t>glBufferData</a:t>
+            </a:r>
+            <a:r>
+              <a:rPr lang="en-US" altLang="zh-CN" sz="2000" dirty="0"/>
+              <a:t>();</a:t>
+            </a:r>
+          </a:p>
+          <a:p>
+            <a:pPr lvl="1"/>
+            <a:r>
+              <a:rPr lang="zh-CN" altLang="en-US" sz="2400" dirty="0"/>
+              <a:t>拷贝回</a:t>
+            </a:r>
+            <a:r>
+              <a:rPr lang="en-US" altLang="zh-CN" sz="2400" dirty="0"/>
+              <a:t>CPU</a:t>
+            </a:r>
+            <a:r>
+              <a:rPr lang="zh-CN" altLang="en-US" sz="2400" dirty="0"/>
+              <a:t>：</a:t>
+            </a:r>
+            <a:r>
+              <a:rPr lang="en-US" altLang="zh-CN" sz="2400" dirty="0" err="1"/>
+              <a:t>glGetNamedBufferData</a:t>
+            </a:r>
+            <a:r>
+              <a:rPr lang="en-US" altLang="zh-CN" sz="2400" dirty="0"/>
+              <a:t>();</a:t>
+            </a:r>
           </a:p>
         </p:txBody>
       </p:sp>
@@ -4643,8 +5403,8 @@
           <a:lstStyle/>
           <a:p>
             <a:r>
-              <a:rPr lang="en-US" altLang="zh-CN" dirty="0"/>
-              <a:t>shader</a:t>
+              <a:rPr lang="zh-CN" altLang="en-US" dirty="0"/>
+              <a:t>参数类型</a:t>
             </a:r>
             <a:endParaRPr lang="en-US" dirty="0"/>
           </a:p>
@@ -4653,7 +5413,7 @@
     </p:spTree>
     <p:extLst>
       <p:ext uri="{BB962C8B-B14F-4D97-AF65-F5344CB8AC3E}">
-        <p14:creationId xmlns:p14="http://schemas.microsoft.com/office/powerpoint/2010/main" val="907191793"/>
+        <p14:creationId xmlns:p14="http://schemas.microsoft.com/office/powerpoint/2010/main" val="511636657"/>
       </p:ext>
     </p:extLst>
   </p:cSld>
@@ -4707,58 +5467,156 @@
           <a:lstStyle/>
           <a:p>
             <a:r>
-              <a:rPr lang="zh-CN" altLang="en-US" sz="2800" dirty="0"/>
-              <a:t>清除缓存：</a:t>
-            </a:r>
-            <a:r>
-              <a:rPr lang="en-US" altLang="zh-CN" sz="2800" dirty="0"/>
+              <a:rPr lang="en-US" altLang="zh-CN" sz="2800" dirty="0" err="1"/>
+              <a:t>LoadShaders</a:t>
+            </a:r>
+            <a:r>
+              <a:rPr lang="en-US" altLang="zh-CN" sz="2400" dirty="0"/>
               <a:t> </a:t>
             </a:r>
-            <a:r>
-              <a:rPr lang="en-US" altLang="zh-CN" sz="2800" dirty="0" err="1"/>
-              <a:t>glClearBufferfv</a:t>
-            </a:r>
-            <a:r>
-              <a:rPr lang="en-US" altLang="zh-CN" sz="2800" dirty="0"/>
-              <a:t>(); </a:t>
-            </a:r>
+          </a:p>
+          <a:p>
+            <a:pPr lvl="1"/>
+            <a:r>
+              <a:rPr lang="en-US" altLang="zh-CN" sz="2400" dirty="0" err="1"/>
+              <a:t>glCreateProgram</a:t>
+            </a:r>
+            <a:r>
+              <a:rPr lang="en-US" altLang="zh-CN" sz="2000" dirty="0"/>
+              <a:t>(); // create empty program obj</a:t>
+            </a:r>
+          </a:p>
+          <a:p>
+            <a:pPr lvl="1"/>
+            <a:r>
+              <a:rPr lang="en-US" altLang="zh-CN" sz="2000" dirty="0"/>
+              <a:t>For each shader file</a:t>
+            </a:r>
+          </a:p>
+          <a:p>
+            <a:pPr lvl="1"/>
+            <a:r>
+              <a:rPr lang="en-US" altLang="zh-CN" sz="2000" dirty="0"/>
+              <a:t>{</a:t>
+            </a:r>
+          </a:p>
+          <a:p>
+            <a:pPr lvl="2"/>
+            <a:r>
+              <a:rPr lang="en-US" altLang="zh-CN" sz="2000" dirty="0" err="1"/>
+              <a:t>glCreateShader</a:t>
+            </a:r>
+            <a:r>
+              <a:rPr lang="en-US" altLang="zh-CN" sz="2000" dirty="0"/>
+              <a:t>(TYPE);	// </a:t>
+            </a:r>
+          </a:p>
+          <a:p>
+            <a:pPr lvl="2"/>
+            <a:r>
+              <a:rPr lang="en-US" altLang="zh-CN" sz="2000" dirty="0"/>
+              <a:t>read shader string</a:t>
+            </a:r>
+          </a:p>
+          <a:p>
+            <a:pPr lvl="2"/>
+            <a:r>
+              <a:rPr lang="en-US" altLang="zh-CN" sz="2000" dirty="0" err="1"/>
+              <a:t>glShaderSource</a:t>
+            </a:r>
+            <a:r>
+              <a:rPr lang="en-US" altLang="zh-CN" sz="2000" dirty="0"/>
+              <a:t>(); 	// set shader source code to a string</a:t>
+            </a:r>
+          </a:p>
+          <a:p>
+            <a:pPr lvl="2"/>
+            <a:r>
+              <a:rPr lang="en-US" altLang="zh-CN" sz="2000" dirty="0" err="1"/>
+              <a:t>glCompileShader</a:t>
+            </a:r>
+            <a:r>
+              <a:rPr lang="en-US" altLang="zh-CN" sz="2000" dirty="0"/>
+              <a:t>();	// compiles source to shader obj</a:t>
+            </a:r>
+          </a:p>
+          <a:p>
+            <a:pPr lvl="2"/>
+            <a:r>
+              <a:rPr lang="en-US" altLang="zh-CN" sz="2000" dirty="0" err="1"/>
+              <a:t>glAttachShader</a:t>
+            </a:r>
+            <a:r>
+              <a:rPr lang="en-US" altLang="zh-CN" sz="2000" dirty="0"/>
+              <a:t>();		// attach to program obj to prepare for link</a:t>
+            </a:r>
+          </a:p>
+          <a:p>
+            <a:pPr lvl="1"/>
             <a:r>
               <a:rPr lang="en-US" altLang="zh-CN" sz="2400" dirty="0"/>
-              <a:t>GL_COLOR, GL_DEPTH</a:t>
-            </a:r>
-          </a:p>
-          <a:p>
-            <a:r>
-              <a:rPr lang="zh-CN" altLang="en-US" sz="2800" dirty="0"/>
-              <a:t>图元模式：</a:t>
-            </a:r>
-            <a:endParaRPr lang="en-US" altLang="zh-CN" sz="2800" dirty="0"/>
+              <a:t>}</a:t>
+            </a:r>
           </a:p>
           <a:p>
             <a:pPr lvl="1"/>
             <a:r>
-              <a:rPr lang="en-US" altLang="zh-CN" sz="2400" dirty="0"/>
-              <a:t>GL_POINTS; GL_LINE; GL_TRIANGLES; </a:t>
-            </a:r>
-            <a:r>
-              <a:rPr lang="zh-CN" altLang="en-US" sz="2400" dirty="0"/>
-              <a:t>等</a:t>
-            </a:r>
-            <a:endParaRPr lang="en-US" altLang="zh-CN" sz="2400" dirty="0"/>
-          </a:p>
-          <a:p>
-            <a:pPr lvl="1"/>
-            <a:r>
               <a:rPr lang="en-US" altLang="zh-CN" sz="2400" dirty="0" err="1"/>
-              <a:t>glPointSize</a:t>
+              <a:t>glLinkProgram</a:t>
             </a:r>
             <a:r>
               <a:rPr lang="en-US" altLang="zh-CN" sz="2400" dirty="0"/>
               <a:t>(); </a:t>
             </a:r>
+          </a:p>
+          <a:p>
+            <a:pPr lvl="1"/>
+            <a:r>
+              <a:rPr lang="en-US" altLang="zh-CN" sz="2400" dirty="0"/>
+              <a:t>For each shader </a:t>
+            </a:r>
             <a:r>
               <a:rPr lang="en-US" altLang="zh-CN" sz="2400" dirty="0" err="1"/>
-              <a:t>glLineWidth</a:t>
+              <a:t>glDeleteShader</a:t>
+            </a:r>
+            <a:r>
+              <a:rPr lang="en-US" altLang="zh-CN" sz="2400" dirty="0"/>
+              <a:t>() // free mem and invalidate shader name</a:t>
+            </a:r>
+          </a:p>
+          <a:p>
+            <a:r>
+              <a:rPr lang="en-US" altLang="zh-CN" sz="2800" dirty="0" err="1"/>
+              <a:t>glUseProgram</a:t>
+            </a:r>
+            <a:r>
+              <a:rPr lang="en-US" altLang="zh-CN" sz="2800" dirty="0"/>
+              <a:t>();		// install program obj as current rendering state</a:t>
+            </a:r>
+          </a:p>
+          <a:p>
+            <a:r>
+              <a:rPr lang="zh-CN" altLang="en-US" sz="2800" dirty="0"/>
+              <a:t>设置参数：</a:t>
+            </a:r>
+            <a:endParaRPr lang="en-US" altLang="zh-CN" sz="2800" dirty="0"/>
+          </a:p>
+          <a:p>
+            <a:pPr lvl="1"/>
+            <a:r>
+              <a:rPr lang="en-US" altLang="zh-CN" sz="2400" dirty="0" err="1"/>
+              <a:t>glVertexAttribPointer</a:t>
+            </a:r>
+            <a:r>
+              <a:rPr lang="en-US" altLang="zh-CN" sz="2400" dirty="0"/>
+              <a:t>(); </a:t>
+            </a:r>
+          </a:p>
+          <a:p>
+            <a:pPr lvl="1"/>
+            <a:r>
+              <a:rPr lang="en-US" altLang="zh-CN" sz="2400" dirty="0" err="1"/>
+              <a:t>glEnableVertexAttribArray</a:t>
             </a:r>
             <a:r>
               <a:rPr lang="en-US" altLang="zh-CN" sz="2400" dirty="0"/>
@@ -4767,61 +5625,17 @@
           </a:p>
           <a:p>
             <a:r>
-              <a:rPr lang="zh-CN" altLang="en-US" sz="2800" dirty="0"/>
-              <a:t>非索引形式：</a:t>
-            </a:r>
-            <a:endParaRPr lang="en-US" altLang="zh-CN" sz="2800" dirty="0"/>
+              <a:rPr lang="en-US" altLang="zh-CN" sz="2800" dirty="0" err="1"/>
+              <a:t>glDeleteProgram</a:t>
+            </a:r>
+            <a:r>
+              <a:rPr lang="en-US" altLang="zh-CN" sz="2800" dirty="0"/>
+              <a:t>();</a:t>
+            </a:r>
           </a:p>
           <a:p>
             <a:pPr lvl="1"/>
-            <a:r>
-              <a:rPr lang="en-US" altLang="zh-CN" sz="2400" dirty="0" err="1"/>
-              <a:t>glBindVertexArray</a:t>
-            </a:r>
-            <a:r>
-              <a:rPr lang="en-US" altLang="zh-CN" sz="2400" dirty="0"/>
-              <a:t>();</a:t>
-            </a:r>
-          </a:p>
-          <a:p>
-            <a:pPr lvl="1"/>
-            <a:r>
-              <a:rPr lang="en-US" altLang="zh-CN" sz="2400" dirty="0" err="1"/>
-              <a:t>glDrawArrays</a:t>
-            </a:r>
-            <a:r>
-              <a:rPr lang="en-US" altLang="zh-CN" sz="2400" dirty="0"/>
-              <a:t>();</a:t>
-            </a:r>
-          </a:p>
-          <a:p>
-            <a:r>
-              <a:rPr lang="zh-CN" altLang="en-US" sz="2800" dirty="0"/>
-              <a:t>索引形式：</a:t>
-            </a:r>
-            <a:endParaRPr lang="en-US" altLang="zh-CN" sz="2800" dirty="0"/>
-          </a:p>
-          <a:p>
-            <a:pPr lvl="1"/>
-            <a:r>
-              <a:rPr lang="en-US" altLang="zh-CN" sz="2400" dirty="0" err="1"/>
-              <a:t>glBindBuffer</a:t>
-            </a:r>
-            <a:r>
-              <a:rPr lang="en-US" altLang="zh-CN" sz="2400" dirty="0"/>
-              <a:t>(GL_ELEMENT_ARRAY_BUFFER);</a:t>
-            </a:r>
-          </a:p>
-          <a:p>
-            <a:pPr lvl="1"/>
-            <a:r>
-              <a:rPr lang="en-US" altLang="zh-CN" sz="2400" dirty="0" err="1"/>
-              <a:t>glDrawElements</a:t>
-            </a:r>
-            <a:r>
-              <a:rPr lang="en-US" altLang="zh-CN" sz="2400" dirty="0"/>
-              <a:t>();</a:t>
-            </a:r>
+            <a:endParaRPr lang="en-US" altLang="zh-CN" sz="2400" dirty="0"/>
           </a:p>
         </p:txBody>
       </p:sp>
@@ -4880,6 +5694,243 @@
           <a:lstStyle/>
           <a:p>
             <a:r>
+              <a:rPr lang="en-US" altLang="zh-CN" dirty="0"/>
+              <a:t>shader</a:t>
+            </a:r>
+            <a:endParaRPr lang="en-US" dirty="0"/>
+          </a:p>
+        </p:txBody>
+      </p:sp>
+    </p:spTree>
+    <p:extLst>
+      <p:ext uri="{BB962C8B-B14F-4D97-AF65-F5344CB8AC3E}">
+        <p14:creationId xmlns:p14="http://schemas.microsoft.com/office/powerpoint/2010/main" val="907191793"/>
+      </p:ext>
+    </p:extLst>
+  </p:cSld>
+  <p:clrMapOvr>
+    <a:masterClrMapping/>
+  </p:clrMapOvr>
+</p:sld>
+</file>
+
+<file path=ppt/slides/slide8.xml><?xml version="1.0" encoding="utf-8"?>
+<p:sld xmlns:a="http://schemas.openxmlformats.org/drawingml/2006/main" xmlns:r="http://schemas.openxmlformats.org/officeDocument/2006/relationships" xmlns:p="http://schemas.openxmlformats.org/presentationml/2006/main">
+  <p:cSld>
+    <p:spTree>
+      <p:nvGrpSpPr>
+        <p:cNvPr id="1" name=""/>
+        <p:cNvGrpSpPr/>
+        <p:nvPr/>
+      </p:nvGrpSpPr>
+      <p:grpSpPr>
+        <a:xfrm>
+          <a:off x="0" y="0"/>
+          <a:ext cx="0" cy="0"/>
+          <a:chOff x="0" y="0"/>
+          <a:chExt cx="0" cy="0"/>
+        </a:xfrm>
+      </p:grpSpPr>
+      <p:sp>
+        <p:nvSpPr>
+          <p:cNvPr id="2" name="Content Placeholder 1">
+            <a:extLst>
+              <a:ext uri="{FF2B5EF4-FFF2-40B4-BE49-F238E27FC236}">
+                <a16:creationId xmlns:a16="http://schemas.microsoft.com/office/drawing/2014/main" id="{62F0C778-32F6-4750-AA9D-CF74A2AD5ADD}"/>
+              </a:ext>
+            </a:extLst>
+          </p:cNvPr>
+          <p:cNvSpPr>
+            <a:spLocks noGrp="1"/>
+          </p:cNvSpPr>
+          <p:nvPr>
+            <p:ph idx="1"/>
+          </p:nvPr>
+        </p:nvSpPr>
+        <p:spPr>
+          <a:xfrm>
+            <a:off x="313245" y="1038224"/>
+            <a:ext cx="11338560" cy="5280659"/>
+          </a:xfrm>
+        </p:spPr>
+        <p:txBody>
+          <a:bodyPr/>
+          <a:lstStyle/>
+          <a:p>
+            <a:r>
+              <a:rPr lang="zh-CN" altLang="en-US" sz="2800" dirty="0"/>
+              <a:t>清除缓存：</a:t>
+            </a:r>
+            <a:r>
+              <a:rPr lang="en-US" altLang="zh-CN" sz="2800" dirty="0"/>
+              <a:t> </a:t>
+            </a:r>
+            <a:r>
+              <a:rPr lang="en-US" altLang="zh-CN" sz="2800" dirty="0" err="1"/>
+              <a:t>glClearBufferfv</a:t>
+            </a:r>
+            <a:r>
+              <a:rPr lang="en-US" altLang="zh-CN" sz="2800" dirty="0"/>
+              <a:t>(); </a:t>
+            </a:r>
+            <a:r>
+              <a:rPr lang="en-US" altLang="zh-CN" sz="2400" dirty="0"/>
+              <a:t>GL_COLOR, GL_DEPTH</a:t>
+            </a:r>
+          </a:p>
+          <a:p>
+            <a:r>
+              <a:rPr lang="zh-CN" altLang="en-US" sz="2800" dirty="0"/>
+              <a:t>图元模式：</a:t>
+            </a:r>
+            <a:endParaRPr lang="en-US" altLang="zh-CN" sz="2800" dirty="0"/>
+          </a:p>
+          <a:p>
+            <a:pPr lvl="1"/>
+            <a:r>
+              <a:rPr lang="en-US" altLang="zh-CN" sz="2400" dirty="0"/>
+              <a:t>GL_POINTS; GL_LINE; GL_TRIANGLES; </a:t>
+            </a:r>
+            <a:r>
+              <a:rPr lang="zh-CN" altLang="en-US" sz="2400" dirty="0"/>
+              <a:t>等</a:t>
+            </a:r>
+            <a:endParaRPr lang="en-US" altLang="zh-CN" sz="2400" dirty="0"/>
+          </a:p>
+          <a:p>
+            <a:pPr lvl="1"/>
+            <a:r>
+              <a:rPr lang="en-US" altLang="zh-CN" sz="2400" dirty="0" err="1"/>
+              <a:t>glPointSize</a:t>
+            </a:r>
+            <a:r>
+              <a:rPr lang="en-US" altLang="zh-CN" sz="2400" dirty="0"/>
+              <a:t>(); </a:t>
+            </a:r>
+            <a:r>
+              <a:rPr lang="en-US" altLang="zh-CN" sz="2400" dirty="0" err="1"/>
+              <a:t>glLineWidth</a:t>
+            </a:r>
+            <a:r>
+              <a:rPr lang="en-US" altLang="zh-CN" sz="2400" dirty="0"/>
+              <a:t>();</a:t>
+            </a:r>
+          </a:p>
+          <a:p>
+            <a:r>
+              <a:rPr lang="zh-CN" altLang="en-US" sz="2800" dirty="0"/>
+              <a:t>非索引形式：</a:t>
+            </a:r>
+            <a:endParaRPr lang="en-US" altLang="zh-CN" sz="2800" dirty="0"/>
+          </a:p>
+          <a:p>
+            <a:pPr lvl="1"/>
+            <a:r>
+              <a:rPr lang="en-US" altLang="zh-CN" sz="2400" dirty="0" err="1"/>
+              <a:t>glBindVertexArray</a:t>
+            </a:r>
+            <a:r>
+              <a:rPr lang="en-US" altLang="zh-CN" sz="2400" dirty="0"/>
+              <a:t>();</a:t>
+            </a:r>
+          </a:p>
+          <a:p>
+            <a:pPr lvl="1"/>
+            <a:r>
+              <a:rPr lang="en-US" altLang="zh-CN" sz="2400" dirty="0" err="1"/>
+              <a:t>glDrawArrays</a:t>
+            </a:r>
+            <a:r>
+              <a:rPr lang="en-US" altLang="zh-CN" sz="2400" dirty="0"/>
+              <a:t>();</a:t>
+            </a:r>
+          </a:p>
+          <a:p>
+            <a:r>
+              <a:rPr lang="zh-CN" altLang="en-US" sz="2800" dirty="0"/>
+              <a:t>索引形式：</a:t>
+            </a:r>
+            <a:endParaRPr lang="en-US" altLang="zh-CN" sz="2800" dirty="0"/>
+          </a:p>
+          <a:p>
+            <a:pPr lvl="1"/>
+            <a:r>
+              <a:rPr lang="en-US" altLang="zh-CN" sz="2400" dirty="0" err="1"/>
+              <a:t>glBindBuffer</a:t>
+            </a:r>
+            <a:r>
+              <a:rPr lang="en-US" altLang="zh-CN" sz="2400" dirty="0"/>
+              <a:t>(GL_ELEMENT_ARRAY_BUFFER);</a:t>
+            </a:r>
+          </a:p>
+          <a:p>
+            <a:pPr lvl="1"/>
+            <a:r>
+              <a:rPr lang="en-US" altLang="zh-CN" sz="2400" dirty="0" err="1"/>
+              <a:t>glDrawElements</a:t>
+            </a:r>
+            <a:r>
+              <a:rPr lang="en-US" altLang="zh-CN" sz="2400" dirty="0"/>
+              <a:t>();</a:t>
+            </a:r>
+          </a:p>
+        </p:txBody>
+      </p:sp>
+      <p:sp>
+        <p:nvSpPr>
+          <p:cNvPr id="3" name="Title 2">
+            <a:extLst>
+              <a:ext uri="{FF2B5EF4-FFF2-40B4-BE49-F238E27FC236}">
+                <a16:creationId xmlns:a16="http://schemas.microsoft.com/office/drawing/2014/main" id="{CEDC0840-5118-4BFD-899F-D50C1A686498}"/>
+              </a:ext>
+            </a:extLst>
+          </p:cNvPr>
+          <p:cNvSpPr>
+            <a:spLocks noGrp="1"/>
+          </p:cNvSpPr>
+          <p:nvPr>
+            <p:ph type="title"/>
+          </p:nvPr>
+        </p:nvSpPr>
+        <p:spPr/>
+        <p:txBody>
+          <a:bodyPr/>
+          <a:lstStyle/>
+          <a:p>
+            <a:r>
+              <a:rPr lang="en-US" altLang="zh-CN" dirty="0" err="1"/>
+              <a:t>opengl</a:t>
+            </a:r>
+            <a:r>
+              <a:rPr lang="en-US" altLang="zh-CN" dirty="0"/>
+              <a:t> </a:t>
+            </a:r>
+            <a:endParaRPr lang="en-US" dirty="0"/>
+          </a:p>
+        </p:txBody>
+      </p:sp>
+      <p:sp>
+        <p:nvSpPr>
+          <p:cNvPr id="4" name="Text Placeholder 3">
+            <a:extLst>
+              <a:ext uri="{FF2B5EF4-FFF2-40B4-BE49-F238E27FC236}">
+                <a16:creationId xmlns:a16="http://schemas.microsoft.com/office/drawing/2014/main" id="{23BC3E91-3C7D-4DD3-9DC0-25A44DC2381D}"/>
+              </a:ext>
+            </a:extLst>
+          </p:cNvPr>
+          <p:cNvSpPr>
+            <a:spLocks noGrp="1"/>
+          </p:cNvSpPr>
+          <p:nvPr>
+            <p:ph type="body" sz="quarter" idx="10"/>
+          </p:nvPr>
+        </p:nvSpPr>
+        <p:spPr/>
+        <p:txBody>
+          <a:bodyPr/>
+          <a:lstStyle/>
+          <a:p>
+            <a:r>
               <a:rPr lang="zh-CN" altLang="en-US" dirty="0"/>
               <a:t>绘制</a:t>
             </a:r>
@@ -4891,6 +5942,426 @@
     <p:extLst>
       <p:ext uri="{BB962C8B-B14F-4D97-AF65-F5344CB8AC3E}">
         <p14:creationId xmlns:p14="http://schemas.microsoft.com/office/powerpoint/2010/main" val="4193691058"/>
+      </p:ext>
+    </p:extLst>
+  </p:cSld>
+  <p:clrMapOvr>
+    <a:masterClrMapping/>
+  </p:clrMapOvr>
+</p:sld>
+</file>
+
+<file path=ppt/slides/slide9.xml><?xml version="1.0" encoding="utf-8"?>
+<p:sld xmlns:a="http://schemas.openxmlformats.org/drawingml/2006/main" xmlns:r="http://schemas.openxmlformats.org/officeDocument/2006/relationships" xmlns:p="http://schemas.openxmlformats.org/presentationml/2006/main">
+  <p:cSld>
+    <p:spTree>
+      <p:nvGrpSpPr>
+        <p:cNvPr id="1" name=""/>
+        <p:cNvGrpSpPr/>
+        <p:nvPr/>
+      </p:nvGrpSpPr>
+      <p:grpSpPr>
+        <a:xfrm>
+          <a:off x="0" y="0"/>
+          <a:ext cx="0" cy="0"/>
+          <a:chOff x="0" y="0"/>
+          <a:chExt cx="0" cy="0"/>
+        </a:xfrm>
+      </p:grpSpPr>
+      <p:sp>
+        <p:nvSpPr>
+          <p:cNvPr id="2" name="Content Placeholder 1">
+            <a:extLst>
+              <a:ext uri="{FF2B5EF4-FFF2-40B4-BE49-F238E27FC236}">
+                <a16:creationId xmlns:a16="http://schemas.microsoft.com/office/drawing/2014/main" id="{62F0C778-32F6-4750-AA9D-CF74A2AD5ADD}"/>
+              </a:ext>
+            </a:extLst>
+          </p:cNvPr>
+          <p:cNvSpPr>
+            <a:spLocks noGrp="1"/>
+          </p:cNvSpPr>
+          <p:nvPr>
+            <p:ph idx="1"/>
+          </p:nvPr>
+        </p:nvSpPr>
+        <p:spPr>
+          <a:xfrm>
+            <a:off x="313245" y="1038224"/>
+            <a:ext cx="11338560" cy="5280659"/>
+          </a:xfrm>
+        </p:spPr>
+        <p:txBody>
+          <a:bodyPr/>
+          <a:lstStyle/>
+          <a:p>
+            <a:r>
+              <a:rPr lang="en-US" altLang="zh-CN" sz="1800" dirty="0"/>
+              <a:t>Vertex obj </a:t>
+            </a:r>
+            <a:r>
+              <a:rPr lang="zh-CN" altLang="en-US" sz="1800" dirty="0"/>
+              <a:t>和 </a:t>
+            </a:r>
+            <a:r>
+              <a:rPr lang="en-US" altLang="zh-CN" sz="1800" dirty="0"/>
+              <a:t>buffer obj </a:t>
+            </a:r>
+            <a:r>
+              <a:rPr lang="zh-CN" altLang="en-US" sz="1800" dirty="0"/>
+              <a:t>关系，怎么赋值，</a:t>
+            </a:r>
+            <a:r>
+              <a:rPr lang="en-US" altLang="zh-CN" sz="1800" dirty="0"/>
+              <a:t>vert obj</a:t>
+            </a:r>
+            <a:r>
+              <a:rPr lang="zh-CN" altLang="en-US" sz="1800" dirty="0"/>
+              <a:t>在</a:t>
+            </a:r>
+            <a:r>
+              <a:rPr lang="en-US" altLang="zh-CN" sz="1800" dirty="0"/>
+              <a:t>GPU</a:t>
+            </a:r>
+            <a:r>
+              <a:rPr lang="zh-CN" altLang="en-US" sz="1800" dirty="0"/>
+              <a:t>还是</a:t>
+            </a:r>
+            <a:r>
+              <a:rPr lang="en-US" altLang="zh-CN" sz="1800" dirty="0"/>
+              <a:t>CPU</a:t>
+            </a:r>
+            <a:r>
+              <a:rPr lang="zh-CN" altLang="en-US" sz="1800" dirty="0"/>
+              <a:t>上</a:t>
+            </a:r>
+            <a:endParaRPr lang="en-US" altLang="zh-CN" sz="1800" dirty="0"/>
+          </a:p>
+          <a:p>
+            <a:pPr lvl="1"/>
+            <a:r>
+              <a:rPr lang="en-US" altLang="zh-CN" sz="1400" dirty="0"/>
+              <a:t>Vertex obj </a:t>
+            </a:r>
+            <a:r>
+              <a:rPr lang="zh-CN" altLang="en-US" sz="1400" dirty="0"/>
+              <a:t>即描述符</a:t>
+            </a:r>
+            <a:endParaRPr lang="en-US" altLang="zh-CN" sz="1400" dirty="0"/>
+          </a:p>
+          <a:p>
+            <a:r>
+              <a:rPr lang="en-US" altLang="zh-CN" sz="1800" dirty="0"/>
+              <a:t>Bind</a:t>
+            </a:r>
+            <a:r>
+              <a:rPr lang="zh-CN" altLang="en-US" sz="1800" dirty="0"/>
+              <a:t>是什么操作，为什么</a:t>
+            </a:r>
+            <a:r>
+              <a:rPr lang="en-US" altLang="zh-CN" sz="1800" dirty="0"/>
+              <a:t>create vertex obj</a:t>
+            </a:r>
+            <a:r>
+              <a:rPr lang="zh-CN" altLang="en-US" sz="1800" dirty="0"/>
+              <a:t>后需要</a:t>
+            </a:r>
+            <a:r>
+              <a:rPr lang="en-US" altLang="zh-CN" sz="1800" dirty="0"/>
+              <a:t>bind obj</a:t>
+            </a:r>
+            <a:r>
+              <a:rPr lang="zh-CN" altLang="en-US" sz="1800" dirty="0"/>
+              <a:t>？</a:t>
+            </a:r>
+            <a:endParaRPr lang="en-US" altLang="zh-CN" sz="1800" dirty="0"/>
+          </a:p>
+          <a:p>
+            <a:r>
+              <a:rPr lang="zh-CN" altLang="en-US" sz="1800" dirty="0"/>
+              <a:t>怎样回读</a:t>
+            </a:r>
+            <a:r>
+              <a:rPr lang="en-US" altLang="zh-CN" sz="1800" dirty="0"/>
+              <a:t>shader</a:t>
+            </a:r>
+            <a:r>
+              <a:rPr lang="zh-CN" altLang="en-US" sz="1800" dirty="0"/>
+              <a:t>改写的</a:t>
+            </a:r>
+            <a:r>
+              <a:rPr lang="en-US" altLang="zh-CN" sz="1800" dirty="0"/>
+              <a:t>buffer</a:t>
+            </a:r>
+          </a:p>
+          <a:p>
+            <a:pPr lvl="1"/>
+            <a:r>
+              <a:rPr lang="en-US" altLang="zh-CN" sz="1400" dirty="0"/>
+              <a:t>#version 400 core</a:t>
+            </a:r>
+          </a:p>
+          <a:p>
+            <a:pPr lvl="1"/>
+            <a:r>
+              <a:rPr lang="en-US" altLang="zh-CN" sz="1400" dirty="0"/>
+              <a:t>layout( location = 0 ) in vec4 </a:t>
+            </a:r>
+            <a:r>
+              <a:rPr lang="en-US" altLang="zh-CN" sz="1400" dirty="0" err="1"/>
+              <a:t>vPosition</a:t>
+            </a:r>
+            <a:r>
+              <a:rPr lang="en-US" altLang="zh-CN" sz="1400" dirty="0"/>
+              <a:t>; // ??????????why can not read back </a:t>
+            </a:r>
+            <a:r>
+              <a:rPr lang="en-US" altLang="zh-CN" sz="1400" dirty="0" err="1"/>
+              <a:t>vPos</a:t>
+            </a:r>
+            <a:r>
+              <a:rPr lang="en-US" altLang="zh-CN" sz="1400" dirty="0"/>
+              <a:t> even </a:t>
+            </a:r>
+            <a:r>
+              <a:rPr lang="en-US" altLang="zh-CN" sz="1400" dirty="0" err="1"/>
+              <a:t>ue</a:t>
+            </a:r>
+            <a:r>
+              <a:rPr lang="en-US" altLang="zh-CN" sz="1400" dirty="0"/>
+              <a:t> </a:t>
+            </a:r>
+            <a:r>
+              <a:rPr lang="en-US" altLang="zh-CN" sz="1400" dirty="0" err="1"/>
+              <a:t>inout</a:t>
+            </a:r>
+            <a:r>
+              <a:rPr lang="en-US" altLang="zh-CN" sz="1400" dirty="0"/>
+              <a:t> </a:t>
+            </a:r>
+          </a:p>
+          <a:p>
+            <a:pPr lvl="1"/>
+            <a:r>
+              <a:rPr lang="en-US" altLang="zh-CN" sz="1400" dirty="0"/>
+              <a:t>layout  buffer </a:t>
+            </a:r>
+            <a:r>
+              <a:rPr lang="en-US" altLang="zh-CN" sz="1400" dirty="0" err="1"/>
+              <a:t>outputBuffer</a:t>
+            </a:r>
+            <a:r>
+              <a:rPr lang="en-US" altLang="zh-CN" sz="1400" dirty="0"/>
+              <a:t> {	vec4 output;}</a:t>
+            </a:r>
+          </a:p>
+          <a:p>
+            <a:pPr lvl="1"/>
+            <a:r>
+              <a:rPr lang="en-US" altLang="zh-CN" sz="1400" dirty="0"/>
+              <a:t>Void </a:t>
+            </a:r>
+            <a:r>
+              <a:rPr lang="fr-FR" altLang="zh-CN" sz="1400" dirty="0"/>
+              <a:t>main() { output = </a:t>
+            </a:r>
+            <a:r>
+              <a:rPr lang="fr-FR" altLang="zh-CN" sz="1400" dirty="0" err="1"/>
+              <a:t>vPosition</a:t>
+            </a:r>
+            <a:r>
+              <a:rPr lang="fr-FR" altLang="zh-CN" sz="1400" dirty="0"/>
+              <a:t>;</a:t>
+            </a:r>
+            <a:r>
+              <a:rPr lang="en-US" altLang="zh-CN" sz="1400" dirty="0"/>
+              <a:t>} </a:t>
+            </a:r>
+          </a:p>
+          <a:p>
+            <a:r>
+              <a:rPr lang="zh-CN" altLang="en-US" sz="1800" dirty="0"/>
+              <a:t>一个</a:t>
+            </a:r>
+            <a:r>
+              <a:rPr lang="en-US" altLang="zh-CN" sz="1800" dirty="0"/>
+              <a:t>thread</a:t>
+            </a:r>
+            <a:r>
+              <a:rPr lang="zh-CN" altLang="en-US" sz="1800" dirty="0"/>
+              <a:t>处理多少数据量？</a:t>
+            </a:r>
+            <a:r>
+              <a:rPr lang="en-US" altLang="zh-CN" sz="1800" dirty="0"/>
+              <a:t>Group size, global size</a:t>
+            </a:r>
+            <a:r>
+              <a:rPr lang="zh-CN" altLang="en-US" sz="1800" dirty="0"/>
+              <a:t>是多少？</a:t>
+            </a:r>
+            <a:endParaRPr lang="en-US" altLang="zh-CN" sz="1800" dirty="0"/>
+          </a:p>
+          <a:p>
+            <a:pPr lvl="1"/>
+            <a:r>
+              <a:rPr lang="en-US" altLang="zh-CN" sz="1400" dirty="0"/>
+              <a:t>Vertex shader </a:t>
+            </a:r>
+            <a:r>
+              <a:rPr lang="zh-CN" altLang="en-US" sz="1400" dirty="0"/>
+              <a:t>只处理一个顶点。</a:t>
+            </a:r>
+            <a:r>
+              <a:rPr lang="en-US" altLang="zh-CN" sz="1400" dirty="0"/>
+              <a:t>Size</a:t>
+            </a:r>
+            <a:r>
+              <a:rPr lang="zh-CN" altLang="en-US" sz="1400" dirty="0"/>
+              <a:t>由运行时确定</a:t>
+            </a:r>
+            <a:endParaRPr lang="en-US" altLang="zh-CN" sz="1400" dirty="0"/>
+          </a:p>
+          <a:p>
+            <a:r>
+              <a:rPr lang="en-US" altLang="zh-CN" sz="1800" dirty="0"/>
+              <a:t>03-drawcommand</a:t>
+            </a:r>
+            <a:r>
+              <a:rPr lang="zh-CN" altLang="en-US" sz="1800" dirty="0"/>
+              <a:t>的</a:t>
+            </a:r>
+            <a:r>
+              <a:rPr lang="en-US" altLang="zh-CN" sz="1800" dirty="0" err="1"/>
+              <a:t>primitive_restart.vs</a:t>
+            </a:r>
+            <a:r>
+              <a:rPr lang="zh-CN" altLang="en-US" sz="1800" dirty="0"/>
+              <a:t>中为什么不需要分配</a:t>
+            </a:r>
+            <a:r>
+              <a:rPr lang="en-US" altLang="zh-CN" sz="1800" dirty="0" err="1"/>
+              <a:t>vs_fs_color</a:t>
+            </a:r>
+            <a:r>
+              <a:rPr lang="en-US" altLang="zh-CN" sz="1800" dirty="0"/>
+              <a:t>?</a:t>
+            </a:r>
+          </a:p>
+          <a:p>
+            <a:r>
+              <a:rPr lang="zh-CN" altLang="en-US" sz="1800" dirty="0"/>
+              <a:t>不同阶段</a:t>
+            </a:r>
+            <a:r>
+              <a:rPr lang="en-US" altLang="zh-CN" sz="1800" dirty="0" err="1"/>
+              <a:t>hw</a:t>
+            </a:r>
+            <a:r>
+              <a:rPr lang="zh-CN" altLang="en-US" sz="1800" dirty="0"/>
+              <a:t>有什么区别</a:t>
+            </a:r>
+            <a:endParaRPr lang="en-US" altLang="zh-CN" sz="1800" dirty="0"/>
+          </a:p>
+          <a:p>
+            <a:pPr lvl="1"/>
+            <a:r>
+              <a:rPr lang="zh-CN" altLang="en-US" sz="1400" dirty="0"/>
+              <a:t>参见</a:t>
+            </a:r>
+            <a:r>
+              <a:rPr lang="en-US" altLang="zh-CN" sz="1400" dirty="0"/>
+              <a:t>IA_VGT_Spec.pdf</a:t>
+            </a:r>
+          </a:p>
+          <a:p>
+            <a:endParaRPr lang="en-US" altLang="zh-CN" sz="1800" dirty="0"/>
+          </a:p>
+          <a:p>
+            <a:endParaRPr lang="en-US" altLang="zh-CN" sz="1800" dirty="0"/>
+          </a:p>
+          <a:p>
+            <a:endParaRPr lang="en-US" altLang="zh-CN" sz="1800" dirty="0"/>
+          </a:p>
+          <a:p>
+            <a:r>
+              <a:rPr lang="en-US" altLang="zh-CN" sz="1800" dirty="0"/>
+              <a:t>Dump </a:t>
+            </a:r>
+            <a:r>
+              <a:rPr lang="zh-CN" altLang="en-US" sz="1800" dirty="0"/>
+              <a:t>工具，调试工具，调试方法</a:t>
+            </a:r>
+            <a:endParaRPr lang="en-US" altLang="zh-CN" sz="1800" dirty="0"/>
+          </a:p>
+          <a:p>
+            <a:endParaRPr lang="en-US" altLang="zh-CN" sz="1800" dirty="0"/>
+          </a:p>
+        </p:txBody>
+      </p:sp>
+      <p:sp>
+        <p:nvSpPr>
+          <p:cNvPr id="3" name="Title 2">
+            <a:extLst>
+              <a:ext uri="{FF2B5EF4-FFF2-40B4-BE49-F238E27FC236}">
+                <a16:creationId xmlns:a16="http://schemas.microsoft.com/office/drawing/2014/main" id="{CEDC0840-5118-4BFD-899F-D50C1A686498}"/>
+              </a:ext>
+            </a:extLst>
+          </p:cNvPr>
+          <p:cNvSpPr>
+            <a:spLocks noGrp="1"/>
+          </p:cNvSpPr>
+          <p:nvPr>
+            <p:ph type="title"/>
+          </p:nvPr>
+        </p:nvSpPr>
+        <p:spPr/>
+        <p:txBody>
+          <a:bodyPr/>
+          <a:lstStyle/>
+          <a:p>
+            <a:r>
+              <a:rPr lang="en-US" altLang="zh-CN" dirty="0" err="1"/>
+              <a:t>opengl</a:t>
+            </a:r>
+            <a:r>
+              <a:rPr lang="en-US" altLang="zh-CN" dirty="0"/>
+              <a:t> </a:t>
+            </a:r>
+            <a:endParaRPr lang="en-US" dirty="0"/>
+          </a:p>
+        </p:txBody>
+      </p:sp>
+      <p:sp>
+        <p:nvSpPr>
+          <p:cNvPr id="4" name="Text Placeholder 3">
+            <a:extLst>
+              <a:ext uri="{FF2B5EF4-FFF2-40B4-BE49-F238E27FC236}">
+                <a16:creationId xmlns:a16="http://schemas.microsoft.com/office/drawing/2014/main" id="{23BC3E91-3C7D-4DD3-9DC0-25A44DC2381D}"/>
+              </a:ext>
+            </a:extLst>
+          </p:cNvPr>
+          <p:cNvSpPr>
+            <a:spLocks noGrp="1"/>
+          </p:cNvSpPr>
+          <p:nvPr>
+            <p:ph type="body" sz="quarter" idx="10"/>
+          </p:nvPr>
+        </p:nvSpPr>
+        <p:spPr/>
+        <p:txBody>
+          <a:bodyPr/>
+          <a:lstStyle/>
+          <a:p>
+            <a:r>
+              <a:rPr lang="en-US" dirty="0"/>
+              <a:t>Q</a:t>
+            </a:r>
+          </a:p>
+        </p:txBody>
+      </p:sp>
+    </p:spTree>
+    <p:extLst>
+      <p:ext uri="{BB962C8B-B14F-4D97-AF65-F5344CB8AC3E}">
+        <p14:creationId xmlns:p14="http://schemas.microsoft.com/office/powerpoint/2010/main" val="857208809"/>
       </p:ext>
     </p:extLst>
   </p:cSld>
